--- a/trunk/p0-uni/IMEI abuse on Android smartphones.pptx
+++ b/trunk/p0-uni/IMEI abuse on Android smartphones.pptx
@@ -9,6 +9,16 @@
   <p:sldIdLst>
     <p:sldId id="256" r:id="rId4"/>
     <p:sldId id="257" r:id="rId5"/>
+    <p:sldId id="259" r:id="rId6"/>
+    <p:sldId id="258" r:id="rId7"/>
+    <p:sldId id="261" r:id="rId8"/>
+    <p:sldId id="260" r:id="rId9"/>
+    <p:sldId id="267" r:id="rId10"/>
+    <p:sldId id="268" r:id="rId11"/>
+    <p:sldId id="263" r:id="rId12"/>
+    <p:sldId id="264" r:id="rId13"/>
+    <p:sldId id="265" r:id="rId14"/>
+    <p:sldId id="266" r:id="rId15"/>
   </p:sldIdLst>
   <p:sldSz cx="9144000" cy="6858000" type="screen4x3"/>
   <p:notesSz cx="6858000" cy="9144000"/>
@@ -237,9 +247,9 @@
           <a:p>
             <a:fld id="{F89CEA5E-8FF6-429F-9EFE-BB5E0A72E255}" type="datetimeFigureOut">
               <a:rPr lang="da-DK" smtClean="0"/>
-              <a:t>20-09-2011</a:t>
+              <a:t>28-09-2011</a:t>
             </a:fld>
-            <a:endParaRPr lang="da-DK"/>
+            <a:endParaRPr lang="da-DK" dirty="0"/>
           </a:p>
         </p:txBody>
       </p:sp>
@@ -262,7 +272,7 @@
             </a:lvl1pPr>
           </a:lstStyle>
           <a:p>
-            <a:endParaRPr lang="da-DK"/>
+            <a:endParaRPr lang="da-DK" dirty="0"/>
           </a:p>
         </p:txBody>
       </p:sp>
@@ -289,7 +299,7 @@
               <a:rPr lang="da-DK" smtClean="0"/>
               <a:t>‹nr.›</a:t>
             </a:fld>
-            <a:endParaRPr lang="da-DK"/>
+            <a:endParaRPr lang="da-DK" dirty="0"/>
           </a:p>
         </p:txBody>
       </p:sp>
@@ -414,9 +424,9 @@
           <a:p>
             <a:fld id="{F89CEA5E-8FF6-429F-9EFE-BB5E0A72E255}" type="datetimeFigureOut">
               <a:rPr lang="da-DK" smtClean="0"/>
-              <a:t>20-09-2011</a:t>
+              <a:t>28-09-2011</a:t>
             </a:fld>
-            <a:endParaRPr lang="da-DK"/>
+            <a:endParaRPr lang="da-DK" dirty="0"/>
           </a:p>
         </p:txBody>
       </p:sp>
@@ -439,7 +449,7 @@
             </a:lvl1pPr>
           </a:lstStyle>
           <a:p>
-            <a:endParaRPr lang="da-DK"/>
+            <a:endParaRPr lang="da-DK" dirty="0"/>
           </a:p>
         </p:txBody>
       </p:sp>
@@ -466,7 +476,7 @@
               <a:rPr lang="da-DK" smtClean="0"/>
               <a:t>‹nr.›</a:t>
             </a:fld>
-            <a:endParaRPr lang="da-DK"/>
+            <a:endParaRPr lang="da-DK" dirty="0"/>
           </a:p>
         </p:txBody>
       </p:sp>
@@ -606,9 +616,9 @@
           <a:p>
             <a:fld id="{F89CEA5E-8FF6-429F-9EFE-BB5E0A72E255}" type="datetimeFigureOut">
               <a:rPr lang="da-DK" smtClean="0"/>
-              <a:t>20-09-2011</a:t>
+              <a:t>28-09-2011</a:t>
             </a:fld>
-            <a:endParaRPr lang="da-DK"/>
+            <a:endParaRPr lang="da-DK" dirty="0"/>
           </a:p>
         </p:txBody>
       </p:sp>
@@ -631,7 +641,7 @@
             </a:lvl1pPr>
           </a:lstStyle>
           <a:p>
-            <a:endParaRPr lang="da-DK"/>
+            <a:endParaRPr lang="da-DK" dirty="0"/>
           </a:p>
         </p:txBody>
       </p:sp>
@@ -658,7 +668,7 @@
               <a:rPr lang="da-DK" smtClean="0"/>
               <a:t>‹nr.›</a:t>
             </a:fld>
-            <a:endParaRPr lang="da-DK"/>
+            <a:endParaRPr lang="da-DK" dirty="0"/>
           </a:p>
         </p:txBody>
       </p:sp>
@@ -755,7 +765,7 @@
           <a:bodyPr wrap="none" anchor="ctr"/>
           <a:lstStyle/>
           <a:p>
-            <a:endParaRPr lang="da-DK"/>
+            <a:endParaRPr lang="da-DK" dirty="0"/>
           </a:p>
         </p:txBody>
       </p:sp>
@@ -855,7 +865,7 @@
             </a:lvl1pPr>
           </a:lstStyle>
           <a:p>
-            <a:endParaRPr lang="en-US"/>
+            <a:endParaRPr lang="en-US" dirty="0"/>
           </a:p>
         </p:txBody>
       </p:sp>
@@ -878,7 +888,7 @@
             </a:lvl1pPr>
           </a:lstStyle>
           <a:p>
-            <a:endParaRPr lang="en-US"/>
+            <a:endParaRPr lang="en-US" dirty="0"/>
           </a:p>
         </p:txBody>
       </p:sp>
@@ -906,7 +916,7 @@
               <a:pPr/>
               <a:t>‹nr.›</a:t>
             </a:fld>
-            <a:endParaRPr lang="en-US"/>
+            <a:endParaRPr lang="en-US" dirty="0"/>
           </a:p>
         </p:txBody>
       </p:sp>
@@ -1029,7 +1039,7 @@
             </a:lvl1pPr>
           </a:lstStyle>
           <a:p>
-            <a:endParaRPr lang="en-US"/>
+            <a:endParaRPr lang="en-US" dirty="0"/>
           </a:p>
         </p:txBody>
       </p:sp>
@@ -1052,7 +1062,7 @@
             </a:lvl1pPr>
           </a:lstStyle>
           <a:p>
-            <a:endParaRPr lang="en-US"/>
+            <a:endParaRPr lang="en-US" dirty="0"/>
           </a:p>
         </p:txBody>
       </p:sp>
@@ -1080,7 +1090,7 @@
               <a:pPr/>
               <a:t>‹nr.›</a:t>
             </a:fld>
-            <a:endParaRPr lang="en-US"/>
+            <a:endParaRPr lang="en-US" dirty="0"/>
           </a:p>
         </p:txBody>
       </p:sp>
@@ -1230,7 +1240,7 @@
             </a:lvl1pPr>
           </a:lstStyle>
           <a:p>
-            <a:endParaRPr lang="en-US"/>
+            <a:endParaRPr lang="en-US" dirty="0"/>
           </a:p>
         </p:txBody>
       </p:sp>
@@ -1253,7 +1263,7 @@
             </a:lvl1pPr>
           </a:lstStyle>
           <a:p>
-            <a:endParaRPr lang="en-US"/>
+            <a:endParaRPr lang="en-US" dirty="0"/>
           </a:p>
         </p:txBody>
       </p:sp>
@@ -1281,7 +1291,7 @@
               <a:pPr/>
               <a:t>‹nr.›</a:t>
             </a:fld>
-            <a:endParaRPr lang="en-US"/>
+            <a:endParaRPr lang="en-US" dirty="0"/>
           </a:p>
         </p:txBody>
       </p:sp>
@@ -1527,7 +1537,7 @@
             </a:lvl1pPr>
           </a:lstStyle>
           <a:p>
-            <a:endParaRPr lang="en-US"/>
+            <a:endParaRPr lang="en-US" dirty="0"/>
           </a:p>
         </p:txBody>
       </p:sp>
@@ -1550,7 +1560,7 @@
             </a:lvl1pPr>
           </a:lstStyle>
           <a:p>
-            <a:endParaRPr lang="en-US"/>
+            <a:endParaRPr lang="en-US" dirty="0"/>
           </a:p>
         </p:txBody>
       </p:sp>
@@ -1578,7 +1588,7 @@
               <a:pPr/>
               <a:t>‹nr.›</a:t>
             </a:fld>
-            <a:endParaRPr lang="en-US"/>
+            <a:endParaRPr lang="en-US" dirty="0"/>
           </a:p>
         </p:txBody>
       </p:sp>
@@ -1963,7 +1973,7 @@
             </a:lvl1pPr>
           </a:lstStyle>
           <a:p>
-            <a:endParaRPr lang="en-US"/>
+            <a:endParaRPr lang="en-US" dirty="0"/>
           </a:p>
         </p:txBody>
       </p:sp>
@@ -1986,7 +1996,7 @@
             </a:lvl1pPr>
           </a:lstStyle>
           <a:p>
-            <a:endParaRPr lang="en-US"/>
+            <a:endParaRPr lang="en-US" dirty="0"/>
           </a:p>
         </p:txBody>
       </p:sp>
@@ -2014,7 +2024,7 @@
               <a:pPr/>
               <a:t>‹nr.›</a:t>
             </a:fld>
-            <a:endParaRPr lang="en-US"/>
+            <a:endParaRPr lang="en-US" dirty="0"/>
           </a:p>
         </p:txBody>
       </p:sp>
@@ -2090,7 +2100,7 @@
             </a:lvl1pPr>
           </a:lstStyle>
           <a:p>
-            <a:endParaRPr lang="en-US"/>
+            <a:endParaRPr lang="en-US" dirty="0"/>
           </a:p>
         </p:txBody>
       </p:sp>
@@ -2113,7 +2123,7 @@
             </a:lvl1pPr>
           </a:lstStyle>
           <a:p>
-            <a:endParaRPr lang="en-US"/>
+            <a:endParaRPr lang="en-US" dirty="0"/>
           </a:p>
         </p:txBody>
       </p:sp>
@@ -2141,7 +2151,7 @@
               <a:pPr/>
               <a:t>‹nr.›</a:t>
             </a:fld>
-            <a:endParaRPr lang="en-US"/>
+            <a:endParaRPr lang="en-US" dirty="0"/>
           </a:p>
         </p:txBody>
       </p:sp>
@@ -2194,7 +2204,7 @@
             </a:lvl1pPr>
           </a:lstStyle>
           <a:p>
-            <a:endParaRPr lang="en-US"/>
+            <a:endParaRPr lang="en-US" dirty="0"/>
           </a:p>
         </p:txBody>
       </p:sp>
@@ -2217,7 +2227,7 @@
             </a:lvl1pPr>
           </a:lstStyle>
           <a:p>
-            <a:endParaRPr lang="en-US"/>
+            <a:endParaRPr lang="en-US" dirty="0"/>
           </a:p>
         </p:txBody>
       </p:sp>
@@ -2245,7 +2255,7 @@
               <a:pPr/>
               <a:t>‹nr.›</a:t>
             </a:fld>
-            <a:endParaRPr lang="en-US"/>
+            <a:endParaRPr lang="en-US" dirty="0"/>
           </a:p>
         </p:txBody>
       </p:sp>
@@ -2480,7 +2490,7 @@
             </a:lvl1pPr>
           </a:lstStyle>
           <a:p>
-            <a:endParaRPr lang="en-US"/>
+            <a:endParaRPr lang="en-US" dirty="0"/>
           </a:p>
         </p:txBody>
       </p:sp>
@@ -2503,7 +2513,7 @@
             </a:lvl1pPr>
           </a:lstStyle>
           <a:p>
-            <a:endParaRPr lang="en-US"/>
+            <a:endParaRPr lang="en-US" dirty="0"/>
           </a:p>
         </p:txBody>
       </p:sp>
@@ -2531,7 +2541,7 @@
               <a:pPr/>
               <a:t>‹nr.›</a:t>
             </a:fld>
-            <a:endParaRPr lang="en-US"/>
+            <a:endParaRPr lang="en-US" dirty="0"/>
           </a:p>
         </p:txBody>
       </p:sp>
@@ -2661,9 +2671,9 @@
           <a:p>
             <a:fld id="{F89CEA5E-8FF6-429F-9EFE-BB5E0A72E255}" type="datetimeFigureOut">
               <a:rPr lang="da-DK" smtClean="0"/>
-              <a:t>20-09-2011</a:t>
+              <a:t>28-09-2011</a:t>
             </a:fld>
-            <a:endParaRPr lang="da-DK"/>
+            <a:endParaRPr lang="da-DK" dirty="0"/>
           </a:p>
         </p:txBody>
       </p:sp>
@@ -2686,7 +2696,7 @@
             </a:lvl1pPr>
           </a:lstStyle>
           <a:p>
-            <a:endParaRPr lang="da-DK"/>
+            <a:endParaRPr lang="da-DK" dirty="0"/>
           </a:p>
         </p:txBody>
       </p:sp>
@@ -2713,7 +2723,7 @@
               <a:rPr lang="da-DK" smtClean="0"/>
               <a:t>‹nr.›</a:t>
             </a:fld>
-            <a:endParaRPr lang="da-DK"/>
+            <a:endParaRPr lang="da-DK" dirty="0"/>
           </a:p>
         </p:txBody>
       </p:sp>
@@ -2837,10 +2847,10 @@
           </a:lstStyle>
           <a:p>
             <a:r>
-              <a:rPr lang="da-DK" smtClean="0"/>
+              <a:rPr lang="da-DK" dirty="0" smtClean="0"/>
               <a:t>Klik på ikonet for at tilføje et billede</a:t>
             </a:r>
-            <a:endParaRPr lang="da-DK"/>
+            <a:endParaRPr lang="da-DK" dirty="0"/>
           </a:p>
         </p:txBody>
       </p:sp>
@@ -2928,7 +2938,7 @@
             </a:lvl1pPr>
           </a:lstStyle>
           <a:p>
-            <a:endParaRPr lang="en-US"/>
+            <a:endParaRPr lang="en-US" dirty="0"/>
           </a:p>
         </p:txBody>
       </p:sp>
@@ -2951,7 +2961,7 @@
             </a:lvl1pPr>
           </a:lstStyle>
           <a:p>
-            <a:endParaRPr lang="en-US"/>
+            <a:endParaRPr lang="en-US" dirty="0"/>
           </a:p>
         </p:txBody>
       </p:sp>
@@ -2979,7 +2989,7 @@
               <a:pPr/>
               <a:t>‹nr.›</a:t>
             </a:fld>
-            <a:endParaRPr lang="en-US"/>
+            <a:endParaRPr lang="en-US" dirty="0"/>
           </a:p>
         </p:txBody>
       </p:sp>
@@ -3107,7 +3117,7 @@
             </a:lvl1pPr>
           </a:lstStyle>
           <a:p>
-            <a:endParaRPr lang="en-US"/>
+            <a:endParaRPr lang="en-US" dirty="0"/>
           </a:p>
         </p:txBody>
       </p:sp>
@@ -3130,7 +3140,7 @@
             </a:lvl1pPr>
           </a:lstStyle>
           <a:p>
-            <a:endParaRPr lang="en-US"/>
+            <a:endParaRPr lang="en-US" dirty="0"/>
           </a:p>
         </p:txBody>
       </p:sp>
@@ -3158,7 +3168,7 @@
               <a:pPr/>
               <a:t>‹nr.›</a:t>
             </a:fld>
-            <a:endParaRPr lang="en-US"/>
+            <a:endParaRPr lang="en-US" dirty="0"/>
           </a:p>
         </p:txBody>
       </p:sp>
@@ -3296,7 +3306,7 @@
             </a:lvl1pPr>
           </a:lstStyle>
           <a:p>
-            <a:endParaRPr lang="en-US"/>
+            <a:endParaRPr lang="en-US" dirty="0"/>
           </a:p>
         </p:txBody>
       </p:sp>
@@ -3319,7 +3329,7 @@
             </a:lvl1pPr>
           </a:lstStyle>
           <a:p>
-            <a:endParaRPr lang="en-US"/>
+            <a:endParaRPr lang="en-US" dirty="0"/>
           </a:p>
         </p:txBody>
       </p:sp>
@@ -3347,7 +3357,7 @@
               <a:pPr/>
               <a:t>‹nr.›</a:t>
             </a:fld>
-            <a:endParaRPr lang="en-US"/>
+            <a:endParaRPr lang="en-US" dirty="0"/>
           </a:p>
         </p:txBody>
       </p:sp>
@@ -3537,9 +3547,9 @@
           <a:p>
             <a:fld id="{F89CEA5E-8FF6-429F-9EFE-BB5E0A72E255}" type="datetimeFigureOut">
               <a:rPr lang="da-DK" smtClean="0"/>
-              <a:t>20-09-2011</a:t>
+              <a:t>28-09-2011</a:t>
             </a:fld>
-            <a:endParaRPr lang="da-DK"/>
+            <a:endParaRPr lang="da-DK" dirty="0"/>
           </a:p>
         </p:txBody>
       </p:sp>
@@ -3558,7 +3568,7 @@
           <a:bodyPr/>
           <a:lstStyle/>
           <a:p>
-            <a:endParaRPr lang="da-DK"/>
+            <a:endParaRPr lang="da-DK" dirty="0"/>
           </a:p>
         </p:txBody>
       </p:sp>
@@ -3581,7 +3591,7 @@
               <a:rPr lang="da-DK" smtClean="0"/>
               <a:t>‹nr.›</a:t>
             </a:fld>
-            <a:endParaRPr lang="da-DK"/>
+            <a:endParaRPr lang="da-DK" dirty="0"/>
           </a:p>
         </p:txBody>
       </p:sp>
@@ -3702,9 +3712,9 @@
           <a:p>
             <a:fld id="{F89CEA5E-8FF6-429F-9EFE-BB5E0A72E255}" type="datetimeFigureOut">
               <a:rPr lang="da-DK" smtClean="0"/>
-              <a:t>20-09-2011</a:t>
+              <a:t>28-09-2011</a:t>
             </a:fld>
-            <a:endParaRPr lang="da-DK"/>
+            <a:endParaRPr lang="da-DK" dirty="0"/>
           </a:p>
         </p:txBody>
       </p:sp>
@@ -3723,7 +3733,7 @@
           <a:bodyPr/>
           <a:lstStyle/>
           <a:p>
-            <a:endParaRPr lang="da-DK"/>
+            <a:endParaRPr lang="da-DK" dirty="0"/>
           </a:p>
         </p:txBody>
       </p:sp>
@@ -3746,7 +3756,7 @@
               <a:rPr lang="da-DK" smtClean="0"/>
               <a:t>‹nr.›</a:t>
             </a:fld>
-            <a:endParaRPr lang="da-DK"/>
+            <a:endParaRPr lang="da-DK" dirty="0"/>
           </a:p>
         </p:txBody>
       </p:sp>
@@ -3944,9 +3954,9 @@
           <a:p>
             <a:fld id="{F89CEA5E-8FF6-429F-9EFE-BB5E0A72E255}" type="datetimeFigureOut">
               <a:rPr lang="da-DK" smtClean="0"/>
-              <a:t>20-09-2011</a:t>
+              <a:t>28-09-2011</a:t>
             </a:fld>
-            <a:endParaRPr lang="da-DK"/>
+            <a:endParaRPr lang="da-DK" dirty="0"/>
           </a:p>
         </p:txBody>
       </p:sp>
@@ -3965,7 +3975,7 @@
           <a:bodyPr/>
           <a:lstStyle/>
           <a:p>
-            <a:endParaRPr lang="da-DK"/>
+            <a:endParaRPr lang="da-DK" dirty="0"/>
           </a:p>
         </p:txBody>
       </p:sp>
@@ -3988,7 +3998,7 @@
               <a:rPr lang="da-DK" smtClean="0"/>
               <a:t>‹nr.›</a:t>
             </a:fld>
-            <a:endParaRPr lang="da-DK"/>
+            <a:endParaRPr lang="da-DK" dirty="0"/>
           </a:p>
         </p:txBody>
       </p:sp>
@@ -4208,9 +4218,9 @@
           <a:p>
             <a:fld id="{F89CEA5E-8FF6-429F-9EFE-BB5E0A72E255}" type="datetimeFigureOut">
               <a:rPr lang="da-DK" smtClean="0"/>
-              <a:t>20-09-2011</a:t>
+              <a:t>28-09-2011</a:t>
             </a:fld>
-            <a:endParaRPr lang="da-DK"/>
+            <a:endParaRPr lang="da-DK" dirty="0"/>
           </a:p>
         </p:txBody>
       </p:sp>
@@ -4229,7 +4239,7 @@
           <a:bodyPr/>
           <a:lstStyle/>
           <a:p>
-            <a:endParaRPr lang="da-DK"/>
+            <a:endParaRPr lang="da-DK" dirty="0"/>
           </a:p>
         </p:txBody>
       </p:sp>
@@ -4252,7 +4262,7 @@
               <a:rPr lang="da-DK" smtClean="0"/>
               <a:t>‹nr.›</a:t>
             </a:fld>
-            <a:endParaRPr lang="da-DK"/>
+            <a:endParaRPr lang="da-DK" dirty="0"/>
           </a:p>
         </p:txBody>
       </p:sp>
@@ -4586,9 +4596,9 @@
           <a:p>
             <a:fld id="{F89CEA5E-8FF6-429F-9EFE-BB5E0A72E255}" type="datetimeFigureOut">
               <a:rPr lang="da-DK" smtClean="0"/>
-              <a:t>20-09-2011</a:t>
+              <a:t>28-09-2011</a:t>
             </a:fld>
-            <a:endParaRPr lang="da-DK"/>
+            <a:endParaRPr lang="da-DK" dirty="0"/>
           </a:p>
         </p:txBody>
       </p:sp>
@@ -4607,7 +4617,7 @@
           <a:bodyPr/>
           <a:lstStyle/>
           <a:p>
-            <a:endParaRPr lang="da-DK"/>
+            <a:endParaRPr lang="da-DK" dirty="0"/>
           </a:p>
         </p:txBody>
       </p:sp>
@@ -4630,7 +4640,7 @@
               <a:rPr lang="da-DK" smtClean="0"/>
               <a:t>‹nr.›</a:t>
             </a:fld>
-            <a:endParaRPr lang="da-DK"/>
+            <a:endParaRPr lang="da-DK" dirty="0"/>
           </a:p>
         </p:txBody>
       </p:sp>
@@ -4736,9 +4746,9 @@
           <a:p>
             <a:fld id="{F89CEA5E-8FF6-429F-9EFE-BB5E0A72E255}" type="datetimeFigureOut">
               <a:rPr lang="da-DK" smtClean="0"/>
-              <a:t>20-09-2011</a:t>
+              <a:t>28-09-2011</a:t>
             </a:fld>
-            <a:endParaRPr lang="da-DK"/>
+            <a:endParaRPr lang="da-DK" dirty="0"/>
           </a:p>
         </p:txBody>
       </p:sp>
@@ -4757,7 +4767,7 @@
           <a:bodyPr/>
           <a:lstStyle/>
           <a:p>
-            <a:endParaRPr lang="da-DK"/>
+            <a:endParaRPr lang="da-DK" dirty="0"/>
           </a:p>
         </p:txBody>
       </p:sp>
@@ -4780,7 +4790,7 @@
               <a:rPr lang="da-DK" smtClean="0"/>
               <a:t>‹nr.›</a:t>
             </a:fld>
-            <a:endParaRPr lang="da-DK"/>
+            <a:endParaRPr lang="da-DK" dirty="0"/>
           </a:p>
         </p:txBody>
       </p:sp>
@@ -4826,9 +4836,9 @@
           <a:p>
             <a:fld id="{F89CEA5E-8FF6-429F-9EFE-BB5E0A72E255}" type="datetimeFigureOut">
               <a:rPr lang="da-DK" smtClean="0"/>
-              <a:t>20-09-2011</a:t>
+              <a:t>28-09-2011</a:t>
             </a:fld>
-            <a:endParaRPr lang="da-DK"/>
+            <a:endParaRPr lang="da-DK" dirty="0"/>
           </a:p>
         </p:txBody>
       </p:sp>
@@ -4847,7 +4857,7 @@
           <a:bodyPr/>
           <a:lstStyle/>
           <a:p>
-            <a:endParaRPr lang="da-DK"/>
+            <a:endParaRPr lang="da-DK" dirty="0"/>
           </a:p>
         </p:txBody>
       </p:sp>
@@ -4870,7 +4880,7 @@
               <a:rPr lang="da-DK" smtClean="0"/>
               <a:t>‹nr.›</a:t>
             </a:fld>
-            <a:endParaRPr lang="da-DK"/>
+            <a:endParaRPr lang="da-DK" dirty="0"/>
           </a:p>
         </p:txBody>
       </p:sp>
@@ -5017,9 +5027,9 @@
           <a:p>
             <a:fld id="{F89CEA5E-8FF6-429F-9EFE-BB5E0A72E255}" type="datetimeFigureOut">
               <a:rPr lang="da-DK" smtClean="0"/>
-              <a:t>20-09-2011</a:t>
+              <a:t>28-09-2011</a:t>
             </a:fld>
-            <a:endParaRPr lang="da-DK"/>
+            <a:endParaRPr lang="da-DK" dirty="0"/>
           </a:p>
         </p:txBody>
       </p:sp>
@@ -5042,7 +5052,7 @@
             </a:lvl1pPr>
           </a:lstStyle>
           <a:p>
-            <a:endParaRPr lang="da-DK"/>
+            <a:endParaRPr lang="da-DK" dirty="0"/>
           </a:p>
         </p:txBody>
       </p:sp>
@@ -5069,7 +5079,7 @@
               <a:rPr lang="da-DK" smtClean="0"/>
               <a:t>‹nr.›</a:t>
             </a:fld>
-            <a:endParaRPr lang="da-DK"/>
+            <a:endParaRPr lang="da-DK" dirty="0"/>
           </a:p>
         </p:txBody>
       </p:sp>
@@ -5291,9 +5301,9 @@
           <a:p>
             <a:fld id="{F89CEA5E-8FF6-429F-9EFE-BB5E0A72E255}" type="datetimeFigureOut">
               <a:rPr lang="da-DK" smtClean="0"/>
-              <a:t>20-09-2011</a:t>
+              <a:t>28-09-2011</a:t>
             </a:fld>
-            <a:endParaRPr lang="da-DK"/>
+            <a:endParaRPr lang="da-DK" dirty="0"/>
           </a:p>
         </p:txBody>
       </p:sp>
@@ -5312,7 +5322,7 @@
           <a:bodyPr/>
           <a:lstStyle/>
           <a:p>
-            <a:endParaRPr lang="da-DK"/>
+            <a:endParaRPr lang="da-DK" dirty="0"/>
           </a:p>
         </p:txBody>
       </p:sp>
@@ -5335,7 +5345,7 @@
               <a:rPr lang="da-DK" smtClean="0"/>
               <a:t>‹nr.›</a:t>
             </a:fld>
-            <a:endParaRPr lang="da-DK"/>
+            <a:endParaRPr lang="da-DK" dirty="0"/>
           </a:p>
         </p:txBody>
       </p:sp>
@@ -5417,7 +5427,7 @@
           <a:lstStyle/>
           <a:p>
             <a:pPr algn="ctr" eaLnBrk="1" latinLnBrk="0" hangingPunct="1"/>
-            <a:endParaRPr kumimoji="0" lang="en-US"/>
+            <a:endParaRPr kumimoji="0" lang="en-US" dirty="0"/>
           </a:p>
         </p:txBody>
       </p:sp>
@@ -5472,7 +5482,7 @@
           <a:lstStyle/>
           <a:p>
             <a:pPr algn="ctr" eaLnBrk="1" latinLnBrk="0" hangingPunct="1"/>
-            <a:endParaRPr kumimoji="0" lang="en-US"/>
+            <a:endParaRPr kumimoji="0" lang="en-US" dirty="0"/>
           </a:p>
         </p:txBody>
       </p:sp>
@@ -5579,9 +5589,9 @@
           <a:p>
             <a:fld id="{F89CEA5E-8FF6-429F-9EFE-BB5E0A72E255}" type="datetimeFigureOut">
               <a:rPr lang="da-DK" smtClean="0"/>
-              <a:t>20-09-2011</a:t>
+              <a:t>28-09-2011</a:t>
             </a:fld>
-            <a:endParaRPr lang="da-DK"/>
+            <a:endParaRPr lang="da-DK" dirty="0"/>
           </a:p>
         </p:txBody>
       </p:sp>
@@ -5600,7 +5610,7 @@
           <a:bodyPr/>
           <a:lstStyle/>
           <a:p>
-            <a:endParaRPr lang="da-DK"/>
+            <a:endParaRPr lang="da-DK" dirty="0"/>
           </a:p>
         </p:txBody>
       </p:sp>
@@ -5628,7 +5638,7 @@
               <a:rPr lang="da-DK" smtClean="0"/>
               <a:t>‹nr.›</a:t>
             </a:fld>
-            <a:endParaRPr lang="da-DK"/>
+            <a:endParaRPr lang="da-DK" dirty="0"/>
           </a:p>
         </p:txBody>
       </p:sp>
@@ -5671,7 +5681,7 @@
           </a:lstStyle>
           <a:p>
             <a:r>
-              <a:rPr kumimoji="0" lang="da-DK" smtClean="0"/>
+              <a:rPr kumimoji="0" lang="da-DK" dirty="0" smtClean="0"/>
               <a:t>Klik på ikonet for at tilføje et billede</a:t>
             </a:r>
             <a:endParaRPr kumimoji="0" lang="en-US" dirty="0"/>
@@ -5810,7 +5820,7 @@
           <a:lstStyle/>
           <a:p>
             <a:pPr marL="0" algn="l" rtl="0" eaLnBrk="1" latinLnBrk="0" hangingPunct="1"/>
-            <a:endParaRPr kumimoji="0" lang="en-US">
+            <a:endParaRPr kumimoji="0" lang="en-US" dirty="0">
               <a:solidFill>
                 <a:schemeClr val="tx1"/>
               </a:solidFill>
@@ -5923,7 +5933,7 @@
           <a:lstStyle/>
           <a:p>
             <a:pPr marL="0" algn="l" rtl="0" eaLnBrk="1" latinLnBrk="0" hangingPunct="1"/>
-            <a:endParaRPr kumimoji="0" lang="en-US">
+            <a:endParaRPr kumimoji="0" lang="en-US" dirty="0">
               <a:solidFill>
                 <a:schemeClr val="tx1"/>
               </a:solidFill>
@@ -6051,9 +6061,9 @@
           <a:p>
             <a:fld id="{F89CEA5E-8FF6-429F-9EFE-BB5E0A72E255}" type="datetimeFigureOut">
               <a:rPr lang="da-DK" smtClean="0"/>
-              <a:t>20-09-2011</a:t>
+              <a:t>28-09-2011</a:t>
             </a:fld>
-            <a:endParaRPr lang="da-DK"/>
+            <a:endParaRPr lang="da-DK" dirty="0"/>
           </a:p>
         </p:txBody>
       </p:sp>
@@ -6072,7 +6082,7 @@
           <a:bodyPr/>
           <a:lstStyle/>
           <a:p>
-            <a:endParaRPr lang="da-DK"/>
+            <a:endParaRPr lang="da-DK" dirty="0"/>
           </a:p>
         </p:txBody>
       </p:sp>
@@ -6095,7 +6105,7 @@
               <a:rPr lang="da-DK" smtClean="0"/>
               <a:t>‹nr.›</a:t>
             </a:fld>
-            <a:endParaRPr lang="da-DK"/>
+            <a:endParaRPr lang="da-DK" dirty="0"/>
           </a:p>
         </p:txBody>
       </p:sp>
@@ -6226,9 +6236,9 @@
           <a:p>
             <a:fld id="{F89CEA5E-8FF6-429F-9EFE-BB5E0A72E255}" type="datetimeFigureOut">
               <a:rPr lang="da-DK" smtClean="0"/>
-              <a:t>20-09-2011</a:t>
+              <a:t>28-09-2011</a:t>
             </a:fld>
-            <a:endParaRPr lang="da-DK"/>
+            <a:endParaRPr lang="da-DK" dirty="0"/>
           </a:p>
         </p:txBody>
       </p:sp>
@@ -6247,7 +6257,7 @@
           <a:bodyPr/>
           <a:lstStyle/>
           <a:p>
-            <a:endParaRPr lang="da-DK"/>
+            <a:endParaRPr lang="da-DK" dirty="0"/>
           </a:p>
         </p:txBody>
       </p:sp>
@@ -6270,7 +6280,7 @@
               <a:rPr lang="da-DK" smtClean="0"/>
               <a:t>‹nr.›</a:t>
             </a:fld>
-            <a:endParaRPr lang="da-DK"/>
+            <a:endParaRPr lang="da-DK" dirty="0"/>
           </a:p>
         </p:txBody>
       </p:sp>
@@ -6513,9 +6523,9 @@
           <a:p>
             <a:fld id="{F89CEA5E-8FF6-429F-9EFE-BB5E0A72E255}" type="datetimeFigureOut">
               <a:rPr lang="da-DK" smtClean="0"/>
-              <a:t>20-09-2011</a:t>
+              <a:t>28-09-2011</a:t>
             </a:fld>
-            <a:endParaRPr lang="da-DK"/>
+            <a:endParaRPr lang="da-DK" dirty="0"/>
           </a:p>
         </p:txBody>
       </p:sp>
@@ -6538,7 +6548,7 @@
             </a:lvl1pPr>
           </a:lstStyle>
           <a:p>
-            <a:endParaRPr lang="da-DK"/>
+            <a:endParaRPr lang="da-DK" dirty="0"/>
           </a:p>
         </p:txBody>
       </p:sp>
@@ -6565,7 +6575,7 @@
               <a:rPr lang="da-DK" smtClean="0"/>
               <a:t>‹nr.›</a:t>
             </a:fld>
-            <a:endParaRPr lang="da-DK"/>
+            <a:endParaRPr lang="da-DK" dirty="0"/>
           </a:p>
         </p:txBody>
       </p:sp>
@@ -6952,9 +6962,9 @@
           <a:p>
             <a:fld id="{F89CEA5E-8FF6-429F-9EFE-BB5E0A72E255}" type="datetimeFigureOut">
               <a:rPr lang="da-DK" smtClean="0"/>
-              <a:t>20-09-2011</a:t>
+              <a:t>28-09-2011</a:t>
             </a:fld>
-            <a:endParaRPr lang="da-DK"/>
+            <a:endParaRPr lang="da-DK" dirty="0"/>
           </a:p>
         </p:txBody>
       </p:sp>
@@ -6977,7 +6987,7 @@
             </a:lvl1pPr>
           </a:lstStyle>
           <a:p>
-            <a:endParaRPr lang="da-DK"/>
+            <a:endParaRPr lang="da-DK" dirty="0"/>
           </a:p>
         </p:txBody>
       </p:sp>
@@ -7004,7 +7014,7 @@
               <a:rPr lang="da-DK" smtClean="0"/>
               <a:t>‹nr.›</a:t>
             </a:fld>
-            <a:endParaRPr lang="da-DK"/>
+            <a:endParaRPr lang="da-DK" dirty="0"/>
           </a:p>
         </p:txBody>
       </p:sp>
@@ -7082,9 +7092,9 @@
           <a:p>
             <a:fld id="{F89CEA5E-8FF6-429F-9EFE-BB5E0A72E255}" type="datetimeFigureOut">
               <a:rPr lang="da-DK" smtClean="0"/>
-              <a:t>20-09-2011</a:t>
+              <a:t>28-09-2011</a:t>
             </a:fld>
-            <a:endParaRPr lang="da-DK"/>
+            <a:endParaRPr lang="da-DK" dirty="0"/>
           </a:p>
         </p:txBody>
       </p:sp>
@@ -7107,7 +7117,7 @@
             </a:lvl1pPr>
           </a:lstStyle>
           <a:p>
-            <a:endParaRPr lang="da-DK"/>
+            <a:endParaRPr lang="da-DK" dirty="0"/>
           </a:p>
         </p:txBody>
       </p:sp>
@@ -7134,7 +7144,7 @@
               <a:rPr lang="da-DK" smtClean="0"/>
               <a:t>‹nr.›</a:t>
             </a:fld>
-            <a:endParaRPr lang="da-DK"/>
+            <a:endParaRPr lang="da-DK" dirty="0"/>
           </a:p>
         </p:txBody>
       </p:sp>
@@ -7189,9 +7199,9 @@
           <a:p>
             <a:fld id="{F89CEA5E-8FF6-429F-9EFE-BB5E0A72E255}" type="datetimeFigureOut">
               <a:rPr lang="da-DK" smtClean="0"/>
-              <a:t>20-09-2011</a:t>
+              <a:t>28-09-2011</a:t>
             </a:fld>
-            <a:endParaRPr lang="da-DK"/>
+            <a:endParaRPr lang="da-DK" dirty="0"/>
           </a:p>
         </p:txBody>
       </p:sp>
@@ -7214,7 +7224,7 @@
             </a:lvl1pPr>
           </a:lstStyle>
           <a:p>
-            <a:endParaRPr lang="da-DK"/>
+            <a:endParaRPr lang="da-DK" dirty="0"/>
           </a:p>
         </p:txBody>
       </p:sp>
@@ -7241,7 +7251,7 @@
               <a:rPr lang="da-DK" smtClean="0"/>
               <a:t>‹nr.›</a:t>
             </a:fld>
-            <a:endParaRPr lang="da-DK"/>
+            <a:endParaRPr lang="da-DK" dirty="0"/>
           </a:p>
         </p:txBody>
       </p:sp>
@@ -7478,9 +7488,9 @@
           <a:p>
             <a:fld id="{F89CEA5E-8FF6-429F-9EFE-BB5E0A72E255}" type="datetimeFigureOut">
               <a:rPr lang="da-DK" smtClean="0"/>
-              <a:t>20-09-2011</a:t>
+              <a:t>28-09-2011</a:t>
             </a:fld>
-            <a:endParaRPr lang="da-DK"/>
+            <a:endParaRPr lang="da-DK" dirty="0"/>
           </a:p>
         </p:txBody>
       </p:sp>
@@ -7503,7 +7513,7 @@
             </a:lvl1pPr>
           </a:lstStyle>
           <a:p>
-            <a:endParaRPr lang="da-DK"/>
+            <a:endParaRPr lang="da-DK" dirty="0"/>
           </a:p>
         </p:txBody>
       </p:sp>
@@ -7530,7 +7540,7 @@
               <a:rPr lang="da-DK" smtClean="0"/>
               <a:t>‹nr.›</a:t>
             </a:fld>
-            <a:endParaRPr lang="da-DK"/>
+            <a:endParaRPr lang="da-DK" dirty="0"/>
           </a:p>
         </p:txBody>
       </p:sp>
@@ -7654,10 +7664,10 @@
           </a:lstStyle>
           <a:p>
             <a:r>
-              <a:rPr lang="da-DK" smtClean="0"/>
+              <a:rPr lang="da-DK" dirty="0" smtClean="0"/>
               <a:t>Klik på ikonet for at tilføje et billede</a:t>
             </a:r>
-            <a:endParaRPr lang="da-DK"/>
+            <a:endParaRPr lang="da-DK" dirty="0"/>
           </a:p>
         </p:txBody>
       </p:sp>
@@ -7747,9 +7757,9 @@
           <a:p>
             <a:fld id="{F89CEA5E-8FF6-429F-9EFE-BB5E0A72E255}" type="datetimeFigureOut">
               <a:rPr lang="da-DK" smtClean="0"/>
-              <a:t>20-09-2011</a:t>
+              <a:t>28-09-2011</a:t>
             </a:fld>
-            <a:endParaRPr lang="da-DK"/>
+            <a:endParaRPr lang="da-DK" dirty="0"/>
           </a:p>
         </p:txBody>
       </p:sp>
@@ -7772,7 +7782,7 @@
             </a:lvl1pPr>
           </a:lstStyle>
           <a:p>
-            <a:endParaRPr lang="da-DK"/>
+            <a:endParaRPr lang="da-DK" dirty="0"/>
           </a:p>
         </p:txBody>
       </p:sp>
@@ -7799,7 +7809,7 @@
               <a:rPr lang="da-DK" smtClean="0"/>
               <a:t>‹nr.›</a:t>
             </a:fld>
-            <a:endParaRPr lang="da-DK"/>
+            <a:endParaRPr lang="da-DK" dirty="0"/>
           </a:p>
         </p:txBody>
       </p:sp>
@@ -8083,9 +8093,9 @@
           <a:p>
             <a:fld id="{F89CEA5E-8FF6-429F-9EFE-BB5E0A72E255}" type="datetimeFigureOut">
               <a:rPr lang="da-DK" smtClean="0"/>
-              <a:t>20-09-2011</a:t>
+              <a:t>28-09-2011</a:t>
             </a:fld>
-            <a:endParaRPr lang="da-DK"/>
+            <a:endParaRPr lang="da-DK" dirty="0"/>
           </a:p>
         </p:txBody>
       </p:sp>
@@ -8153,7 +8163,7 @@
             </a:lvl1pPr>
           </a:lstStyle>
           <a:p>
-            <a:endParaRPr lang="da-DK"/>
+            <a:endParaRPr lang="da-DK" dirty="0"/>
           </a:p>
         </p:txBody>
       </p:sp>
@@ -8225,7 +8235,7 @@
               <a:rPr lang="da-DK" smtClean="0"/>
               <a:t>‹nr.›</a:t>
             </a:fld>
-            <a:endParaRPr lang="da-DK"/>
+            <a:endParaRPr lang="da-DK" dirty="0"/>
           </a:p>
         </p:txBody>
       </p:sp>
@@ -8748,7 +8758,7 @@
           <a:bodyPr wrap="none" anchor="ctr"/>
           <a:lstStyle/>
           <a:p>
-            <a:endParaRPr lang="da-DK"/>
+            <a:endParaRPr lang="da-DK" dirty="0"/>
           </a:p>
         </p:txBody>
       </p:sp>
@@ -8988,7 +8998,7 @@
             </a:lvl1pPr>
           </a:lstStyle>
           <a:p>
-            <a:endParaRPr lang="en-US"/>
+            <a:endParaRPr lang="en-US" dirty="0"/>
           </a:p>
         </p:txBody>
       </p:sp>
@@ -9056,7 +9066,7 @@
             </a:lvl1pPr>
           </a:lstStyle>
           <a:p>
-            <a:endParaRPr lang="en-US"/>
+            <a:endParaRPr lang="en-US" dirty="0"/>
           </a:p>
         </p:txBody>
       </p:sp>
@@ -9129,7 +9139,7 @@
               <a:pPr/>
               <a:t>‹nr.›</a:t>
             </a:fld>
-            <a:endParaRPr lang="en-US"/>
+            <a:endParaRPr lang="en-US" dirty="0"/>
           </a:p>
         </p:txBody>
       </p:sp>
@@ -9726,7 +9736,7 @@
           <a:lstStyle/>
           <a:p>
             <a:pPr marL="0" algn="l" rtl="0" eaLnBrk="1" latinLnBrk="0" hangingPunct="1"/>
-            <a:endParaRPr kumimoji="0" lang="en-US">
+            <a:endParaRPr kumimoji="0" lang="en-US" dirty="0">
               <a:solidFill>
                 <a:schemeClr val="tx1"/>
               </a:solidFill>
@@ -9839,7 +9849,7 @@
           <a:lstStyle/>
           <a:p>
             <a:pPr marL="0" algn="l" rtl="0" eaLnBrk="1" latinLnBrk="0" hangingPunct="1"/>
-            <a:endParaRPr kumimoji="0" lang="en-US">
+            <a:endParaRPr kumimoji="0" lang="en-US" dirty="0">
               <a:solidFill>
                 <a:schemeClr val="tx1"/>
               </a:solidFill>
@@ -9980,9 +9990,9 @@
           <a:p>
             <a:fld id="{F89CEA5E-8FF6-429F-9EFE-BB5E0A72E255}" type="datetimeFigureOut">
               <a:rPr lang="da-DK" smtClean="0"/>
-              <a:t>20-09-2011</a:t>
+              <a:t>28-09-2011</a:t>
             </a:fld>
-            <a:endParaRPr lang="da-DK"/>
+            <a:endParaRPr lang="da-DK" dirty="0"/>
           </a:p>
         </p:txBody>
       </p:sp>
@@ -10019,7 +10029,7 @@
             </a:lvl1pPr>
           </a:lstStyle>
           <a:p>
-            <a:endParaRPr lang="da-DK"/>
+            <a:endParaRPr lang="da-DK" dirty="0"/>
           </a:p>
         </p:txBody>
       </p:sp>
@@ -10060,7 +10070,7 @@
               <a:rPr lang="da-DK" smtClean="0"/>
               <a:t>‹nr.›</a:t>
             </a:fld>
-            <a:endParaRPr lang="da-DK"/>
+            <a:endParaRPr lang="da-DK" dirty="0"/>
           </a:p>
         </p:txBody>
       </p:sp>
@@ -10176,7 +10186,7 @@
             <a:bodyPr vert="horz" wrap="square" lIns="91440" tIns="45720" rIns="91440" bIns="45720" anchor="t" compatLnSpc="1"/>
             <a:lstStyle/>
             <a:p>
-              <a:endParaRPr kumimoji="0" lang="en-US"/>
+              <a:endParaRPr kumimoji="0" lang="en-US" dirty="0"/>
             </a:p>
           </p:txBody>
         </p:sp>
@@ -10273,7 +10283,7 @@
             <a:bodyPr vert="horz" wrap="square" lIns="91440" tIns="45720" rIns="91440" bIns="45720" anchor="t" compatLnSpc="1"/>
             <a:lstStyle/>
             <a:p>
-              <a:endParaRPr kumimoji="0" lang="en-US"/>
+              <a:endParaRPr kumimoji="0" lang="en-US" dirty="0"/>
             </a:p>
           </p:txBody>
         </p:sp>
@@ -10614,22 +10624,10 @@
           <a:lstStyle/>
           <a:p>
             <a:r>
-              <a:rPr lang="da-DK" dirty="0"/>
-              <a:t>IMEI </a:t>
-            </a:r>
-            <a:r>
-              <a:rPr lang="da-DK" dirty="0" err="1"/>
-              <a:t>abuse</a:t>
-            </a:r>
-            <a:r>
-              <a:rPr lang="da-DK" dirty="0"/>
-              <a:t> on Android </a:t>
-            </a:r>
-            <a:r>
-              <a:rPr lang="da-DK" dirty="0" err="1"/>
-              <a:t>smartphones</a:t>
-            </a:r>
-            <a:endParaRPr lang="da-DK" dirty="0"/>
+              <a:rPr lang="en-US" smtClean="0"/>
+              <a:t>IMEI abuse on Android smartphones</a:t>
+            </a:r>
+            <a:endParaRPr lang="en-US"/>
           </a:p>
         </p:txBody>
       </p:sp>
@@ -10656,20 +10654,16 @@
           <a:lstStyle/>
           <a:p>
             <a:r>
-              <a:rPr lang="da-DK" dirty="0" smtClean="0"/>
+              <a:rPr lang="en-US" smtClean="0"/>
               <a:t>By B216</a:t>
             </a:r>
           </a:p>
           <a:p>
             <a:r>
-              <a:rPr lang="en-US" dirty="0"/>
-              <a:t>Christian Jødal O’Keeffe, Nicolai Kjær Skovhus, Dag Toft Børresen Pedersen, Stefan Mathias Holst Christiansen, Thais Alexander Jones, Rasmus Fischer Gadensgaard and Anders Riedel </a:t>
-            </a:r>
-            <a:r>
-              <a:rPr lang="en-US" dirty="0" err="1"/>
-              <a:t>Øland</a:t>
-            </a:r>
-            <a:endParaRPr lang="da-DK" dirty="0"/>
+              <a:rPr lang="en-US" smtClean="0"/>
+              <a:t>Christian Jødal O’Keeffe, Nicolai Kjær Skovhus, Dag Toft Børresen Pedersen, Stefan Mathias Holst Christiansen, Thais Alexander Jones, Rasmus Fischer Gadensgaard and Anders Riedel Øland</a:t>
+            </a:r>
+            <a:endParaRPr lang="en-US"/>
           </a:p>
         </p:txBody>
       </p:sp>
@@ -10677,6 +10671,623 @@
     <p:extLst>
       <p:ext uri="{BB962C8B-B14F-4D97-AF65-F5344CB8AC3E}">
         <p14:creationId xmlns:p14="http://schemas.microsoft.com/office/powerpoint/2010/main" val="36247383"/>
+      </p:ext>
+    </p:extLst>
+  </p:cSld>
+  <p:clrMapOvr>
+    <a:masterClrMapping/>
+  </p:clrMapOvr>
+  <p:timing>
+    <p:tnLst>
+      <p:par>
+        <p:cTn id="1" dur="indefinite" restart="never" nodeType="tmRoot"/>
+      </p:par>
+    </p:tnLst>
+  </p:timing>
+</p:sld>
+</file>
+
+<file path=ppt/slides/slide10.xml><?xml version="1.0" encoding="utf-8"?>
+<p:sld xmlns:a="http://schemas.openxmlformats.org/drawingml/2006/main" xmlns:r="http://schemas.openxmlformats.org/officeDocument/2006/relationships" xmlns:p="http://schemas.openxmlformats.org/presentationml/2006/main">
+  <p:cSld>
+    <p:spTree>
+      <p:nvGrpSpPr>
+        <p:cNvPr id="1" name=""/>
+        <p:cNvGrpSpPr/>
+        <p:nvPr/>
+      </p:nvGrpSpPr>
+      <p:grpSpPr>
+        <a:xfrm>
+          <a:off x="0" y="0"/>
+          <a:ext cx="0" cy="0"/>
+          <a:chOff x="0" y="0"/>
+          <a:chExt cx="0" cy="0"/>
+        </a:xfrm>
+      </p:grpSpPr>
+      <p:sp>
+        <p:nvSpPr>
+          <p:cNvPr id="2" name="Titel 1"/>
+          <p:cNvSpPr>
+            <a:spLocks noGrp="1"/>
+          </p:cNvSpPr>
+          <p:nvPr>
+            <p:ph type="title"/>
+          </p:nvPr>
+        </p:nvSpPr>
+        <p:spPr/>
+        <p:txBody>
+          <a:bodyPr/>
+          <a:lstStyle/>
+          <a:p>
+            <a:r>
+              <a:rPr lang="en-US" dirty="0" smtClean="0"/>
+              <a:t>Conclusion</a:t>
+            </a:r>
+            <a:endParaRPr lang="en-US" dirty="0"/>
+          </a:p>
+        </p:txBody>
+      </p:sp>
+      <p:sp>
+        <p:nvSpPr>
+          <p:cNvPr id="3" name="Pladsholder til indhold 2"/>
+          <p:cNvSpPr>
+            <a:spLocks noGrp="1"/>
+          </p:cNvSpPr>
+          <p:nvPr>
+            <p:ph idx="1"/>
+          </p:nvPr>
+        </p:nvSpPr>
+        <p:spPr/>
+        <p:txBody>
+          <a:bodyPr>
+            <a:normAutofit/>
+          </a:bodyPr>
+          <a:lstStyle/>
+          <a:p>
+            <a:r>
+              <a:rPr lang="en-US" dirty="0" smtClean="0"/>
+              <a:t>Surveillance through the IMEI number is possible. </a:t>
+            </a:r>
+          </a:p>
+          <a:p>
+            <a:endParaRPr lang="en-US" dirty="0" smtClean="0"/>
+          </a:p>
+          <a:p>
+            <a:r>
+              <a:rPr lang="en-US" dirty="0" smtClean="0"/>
+              <a:t>We still have to find a reason for the IMEI and IMSI numbers not to be encrypted.</a:t>
+            </a:r>
+            <a:endParaRPr lang="da-DK" dirty="0" smtClean="0"/>
+          </a:p>
+          <a:p>
+            <a:r>
+              <a:rPr lang="en-US" dirty="0"/>
+              <a:t>Google needs </a:t>
+            </a:r>
+            <a:r>
+              <a:rPr lang="en-US" dirty="0" smtClean="0"/>
+              <a:t>find </a:t>
+            </a:r>
+            <a:r>
+              <a:rPr lang="en-US" dirty="0"/>
+              <a:t>a solution</a:t>
+            </a:r>
+            <a:endParaRPr lang="da-DK" dirty="0"/>
+          </a:p>
+        </p:txBody>
+      </p:sp>
+    </p:spTree>
+    <p:extLst>
+      <p:ext uri="{BB962C8B-B14F-4D97-AF65-F5344CB8AC3E}">
+        <p14:creationId xmlns:p14="http://schemas.microsoft.com/office/powerpoint/2010/main" val="2932717670"/>
+      </p:ext>
+    </p:extLst>
+  </p:cSld>
+  <p:clrMapOvr>
+    <a:masterClrMapping/>
+  </p:clrMapOvr>
+  <p:timing>
+    <p:tnLst>
+      <p:par>
+        <p:cTn id="1" dur="indefinite" restart="never" nodeType="tmRoot"/>
+      </p:par>
+    </p:tnLst>
+  </p:timing>
+</p:sld>
+</file>
+
+<file path=ppt/slides/slide11.xml><?xml version="1.0" encoding="utf-8"?>
+<p:sld xmlns:a="http://schemas.openxmlformats.org/drawingml/2006/main" xmlns:r="http://schemas.openxmlformats.org/officeDocument/2006/relationships" xmlns:p="http://schemas.openxmlformats.org/presentationml/2006/main">
+  <p:cSld>
+    <p:spTree>
+      <p:nvGrpSpPr>
+        <p:cNvPr id="1" name=""/>
+        <p:cNvGrpSpPr/>
+        <p:nvPr/>
+      </p:nvGrpSpPr>
+      <p:grpSpPr>
+        <a:xfrm>
+          <a:off x="0" y="0"/>
+          <a:ext cx="0" cy="0"/>
+          <a:chOff x="0" y="0"/>
+          <a:chExt cx="0" cy="0"/>
+        </a:xfrm>
+      </p:grpSpPr>
+      <p:sp>
+        <p:nvSpPr>
+          <p:cNvPr id="2" name="Titel 1"/>
+          <p:cNvSpPr>
+            <a:spLocks noGrp="1"/>
+          </p:cNvSpPr>
+          <p:nvPr>
+            <p:ph type="title"/>
+          </p:nvPr>
+        </p:nvSpPr>
+        <p:spPr/>
+        <p:txBody>
+          <a:bodyPr/>
+          <a:lstStyle/>
+          <a:p>
+            <a:r>
+              <a:rPr lang="en-US" dirty="0" smtClean="0"/>
+              <a:t>Process analysis</a:t>
+            </a:r>
+            <a:endParaRPr lang="en-US" dirty="0"/>
+          </a:p>
+        </p:txBody>
+      </p:sp>
+      <p:sp>
+        <p:nvSpPr>
+          <p:cNvPr id="3" name="Pladsholder til indhold 2"/>
+          <p:cNvSpPr>
+            <a:spLocks noGrp="1"/>
+          </p:cNvSpPr>
+          <p:nvPr>
+            <p:ph idx="1"/>
+          </p:nvPr>
+        </p:nvSpPr>
+        <p:spPr/>
+        <p:txBody>
+          <a:bodyPr>
+            <a:normAutofit/>
+          </a:bodyPr>
+          <a:lstStyle/>
+          <a:p>
+            <a:r>
+              <a:rPr lang="en-US" dirty="0" smtClean="0"/>
+              <a:t>Discussed and choose </a:t>
+            </a:r>
+            <a:r>
+              <a:rPr lang="en-US" dirty="0"/>
+              <a:t>a </a:t>
+            </a:r>
+            <a:r>
+              <a:rPr lang="en-US" dirty="0" smtClean="0"/>
+              <a:t>subject.</a:t>
+            </a:r>
+          </a:p>
+          <a:p>
+            <a:r>
+              <a:rPr lang="en-US" dirty="0" smtClean="0"/>
+              <a:t>Researching </a:t>
+            </a:r>
+            <a:r>
+              <a:rPr lang="en-US" dirty="0"/>
+              <a:t>for good/reliable </a:t>
+            </a:r>
+            <a:r>
+              <a:rPr lang="en-US" dirty="0" smtClean="0"/>
+              <a:t>sources.</a:t>
+            </a:r>
+          </a:p>
+          <a:p>
+            <a:r>
+              <a:rPr lang="en-US" dirty="0" smtClean="0"/>
+              <a:t>Divided parts which each other should write.</a:t>
+            </a:r>
+          </a:p>
+          <a:p>
+            <a:r>
+              <a:rPr lang="en-US" dirty="0" smtClean="0"/>
+              <a:t>Corrections to streamline the work.</a:t>
+            </a:r>
+          </a:p>
+          <a:p>
+            <a:r>
+              <a:rPr lang="en-US" dirty="0" smtClean="0"/>
+              <a:t>We stayed within our working schedule, and kept our promises.</a:t>
+            </a:r>
+          </a:p>
+          <a:p>
+            <a:r>
+              <a:rPr lang="en-US" dirty="0" smtClean="0"/>
+              <a:t>Our supervisor was a big help</a:t>
+            </a:r>
+          </a:p>
+        </p:txBody>
+      </p:sp>
+    </p:spTree>
+    <p:extLst>
+      <p:ext uri="{BB962C8B-B14F-4D97-AF65-F5344CB8AC3E}">
+        <p14:creationId xmlns:p14="http://schemas.microsoft.com/office/powerpoint/2010/main" val="521983646"/>
+      </p:ext>
+    </p:extLst>
+  </p:cSld>
+  <p:clrMapOvr>
+    <a:masterClrMapping/>
+  </p:clrMapOvr>
+  <p:timing>
+    <p:tnLst>
+      <p:par>
+        <p:cTn id="1" dur="indefinite" restart="never" nodeType="tmRoot"/>
+      </p:par>
+    </p:tnLst>
+  </p:timing>
+</p:sld>
+</file>
+
+<file path=ppt/slides/slide12.xml><?xml version="1.0" encoding="utf-8"?>
+<p:sld xmlns:a="http://schemas.openxmlformats.org/drawingml/2006/main" xmlns:r="http://schemas.openxmlformats.org/officeDocument/2006/relationships" xmlns:p="http://schemas.openxmlformats.org/presentationml/2006/main">
+  <p:cSld>
+    <p:spTree>
+      <p:nvGrpSpPr>
+        <p:cNvPr id="1" name=""/>
+        <p:cNvGrpSpPr/>
+        <p:nvPr/>
+      </p:nvGrpSpPr>
+      <p:grpSpPr>
+        <a:xfrm>
+          <a:off x="0" y="0"/>
+          <a:ext cx="0" cy="0"/>
+          <a:chOff x="0" y="0"/>
+          <a:chExt cx="0" cy="0"/>
+        </a:xfrm>
+      </p:grpSpPr>
+      <p:sp>
+        <p:nvSpPr>
+          <p:cNvPr id="2" name="Titel 1"/>
+          <p:cNvSpPr>
+            <a:spLocks noGrp="1"/>
+          </p:cNvSpPr>
+          <p:nvPr>
+            <p:ph type="title"/>
+          </p:nvPr>
+        </p:nvSpPr>
+        <p:spPr/>
+        <p:txBody>
+          <a:bodyPr>
+            <a:normAutofit/>
+          </a:bodyPr>
+          <a:lstStyle/>
+          <a:p>
+            <a:r>
+              <a:rPr lang="en-US" dirty="0" smtClean="0"/>
+              <a:t>Process analysis - Synthesis</a:t>
+            </a:r>
+            <a:endParaRPr lang="da-DK" dirty="0"/>
+          </a:p>
+        </p:txBody>
+      </p:sp>
+      <p:graphicFrame>
+        <p:nvGraphicFramePr>
+          <p:cNvPr id="5" name="Pladsholder til indhold 4"/>
+          <p:cNvGraphicFramePr>
+            <a:graphicFrameLocks noGrp="1"/>
+          </p:cNvGraphicFramePr>
+          <p:nvPr>
+            <p:ph idx="1"/>
+            <p:extLst>
+              <p:ext uri="{D42A27DB-BD31-4B8C-83A1-F6EECF244321}">
+                <p14:modId xmlns:p14="http://schemas.microsoft.com/office/powerpoint/2010/main" val="3981438691"/>
+              </p:ext>
+            </p:extLst>
+          </p:nvPr>
+        </p:nvGraphicFramePr>
+        <p:xfrm>
+          <a:off x="467544" y="2204864"/>
+          <a:ext cx="8229600" cy="4247896"/>
+        </p:xfrm>
+        <a:graphic>
+          <a:graphicData uri="http://schemas.openxmlformats.org/drawingml/2006/table">
+            <a:tbl>
+              <a:tblPr firstRow="1" bandRow="1">
+                <a:tableStyleId>{5C22544A-7EE6-4342-B048-85BDC9FD1C3A}</a:tableStyleId>
+              </a:tblPr>
+              <a:tblGrid>
+                <a:gridCol w="4114800"/>
+                <a:gridCol w="4114800"/>
+              </a:tblGrid>
+              <a:tr h="370840">
+                <a:tc>
+                  <a:txBody>
+                    <a:bodyPr/>
+                    <a:lstStyle/>
+                    <a:p>
+                      <a:pPr marL="0" marR="0" indent="0" algn="l" defTabSz="914400" rtl="0" eaLnBrk="1" fontAlgn="auto" latinLnBrk="0" hangingPunct="1">
+                        <a:lnSpc>
+                          <a:spcPct val="100000"/>
+                        </a:lnSpc>
+                        <a:spcBef>
+                          <a:spcPts val="0"/>
+                        </a:spcBef>
+                        <a:spcAft>
+                          <a:spcPts val="0"/>
+                        </a:spcAft>
+                        <a:buClrTx/>
+                        <a:buSzTx/>
+                        <a:buFontTx/>
+                        <a:buNone/>
+                        <a:tabLst/>
+                        <a:defRPr/>
+                      </a:pPr>
+                      <a:r>
+                        <a:rPr lang="en-US" sz="1800" b="1" kern="1200" dirty="0" smtClean="0">
+                          <a:solidFill>
+                            <a:schemeClr val="lt1"/>
+                          </a:solidFill>
+                          <a:latin typeface="+mn-lt"/>
+                          <a:ea typeface="+mn-ea"/>
+                          <a:cs typeface="+mn-cs"/>
+                        </a:rPr>
+                        <a:t>What we need to do better:</a:t>
+                      </a:r>
+                      <a:endParaRPr lang="da-DK" sz="1800" b="1" kern="1200" dirty="0" smtClean="0">
+                        <a:solidFill>
+                          <a:schemeClr val="lt1"/>
+                        </a:solidFill>
+                        <a:latin typeface="+mn-lt"/>
+                        <a:ea typeface="+mn-ea"/>
+                        <a:cs typeface="+mn-cs"/>
+                      </a:endParaRPr>
+                    </a:p>
+                  </a:txBody>
+                  <a:tcPr/>
+                </a:tc>
+                <a:tc>
+                  <a:txBody>
+                    <a:bodyPr/>
+                    <a:lstStyle/>
+                    <a:p>
+                      <a:pPr marL="0" marR="0" indent="0" algn="l" defTabSz="914400" rtl="0" eaLnBrk="1" fontAlgn="auto" latinLnBrk="0" hangingPunct="1">
+                        <a:lnSpc>
+                          <a:spcPct val="100000"/>
+                        </a:lnSpc>
+                        <a:spcBef>
+                          <a:spcPts val="0"/>
+                        </a:spcBef>
+                        <a:spcAft>
+                          <a:spcPts val="0"/>
+                        </a:spcAft>
+                        <a:buClrTx/>
+                        <a:buSzTx/>
+                        <a:buFontTx/>
+                        <a:buNone/>
+                        <a:tabLst/>
+                        <a:defRPr/>
+                      </a:pPr>
+                      <a:r>
+                        <a:rPr lang="en-US" sz="1800" b="1" kern="1200" dirty="0" smtClean="0">
+                          <a:solidFill>
+                            <a:schemeClr val="lt1"/>
+                          </a:solidFill>
+                          <a:latin typeface="+mn-lt"/>
+                          <a:ea typeface="+mn-ea"/>
+                          <a:cs typeface="+mn-cs"/>
+                        </a:rPr>
+                        <a:t>What we should keep doing:</a:t>
+                      </a:r>
+                      <a:endParaRPr lang="da-DK" sz="1800" b="1" kern="1200" dirty="0" smtClean="0">
+                        <a:solidFill>
+                          <a:schemeClr val="lt1"/>
+                        </a:solidFill>
+                        <a:latin typeface="+mn-lt"/>
+                        <a:ea typeface="+mn-ea"/>
+                        <a:cs typeface="+mn-cs"/>
+                      </a:endParaRPr>
+                    </a:p>
+                  </a:txBody>
+                  <a:tcPr/>
+                </a:tc>
+              </a:tr>
+              <a:tr h="370840">
+                <a:tc>
+                  <a:txBody>
+                    <a:bodyPr/>
+                    <a:lstStyle/>
+                    <a:p>
+                      <a:pPr marL="342900" lvl="0" indent="-342900">
+                        <a:lnSpc>
+                          <a:spcPct val="115000"/>
+                        </a:lnSpc>
+                        <a:spcAft>
+                          <a:spcPts val="0"/>
+                        </a:spcAft>
+                        <a:buFont typeface="Symbol"/>
+                        <a:buChar char=""/>
+                      </a:pPr>
+                      <a:r>
+                        <a:rPr lang="en-US" sz="1800" dirty="0" smtClean="0">
+                          <a:latin typeface="+mn-lt"/>
+                          <a:ea typeface="Calibri"/>
+                          <a:cs typeface="Times New Roman"/>
+                        </a:rPr>
+                        <a:t>We need to get better at meeting at the same time.</a:t>
+                      </a:r>
+                      <a:endParaRPr lang="da-DK" sz="1800" dirty="0" smtClean="0">
+                        <a:latin typeface="+mn-lt"/>
+                        <a:ea typeface="Calibri"/>
+                        <a:cs typeface="Times New Roman"/>
+                      </a:endParaRPr>
+                    </a:p>
+                    <a:p>
+                      <a:pPr marL="342900" lvl="0" indent="-342900">
+                        <a:lnSpc>
+                          <a:spcPct val="115000"/>
+                        </a:lnSpc>
+                        <a:spcAft>
+                          <a:spcPts val="0"/>
+                        </a:spcAft>
+                        <a:buFont typeface="Symbol"/>
+                        <a:buChar char=""/>
+                      </a:pPr>
+                      <a:r>
+                        <a:rPr lang="en-US" sz="1800" dirty="0" smtClean="0">
+                          <a:latin typeface="+mn-lt"/>
+                          <a:ea typeface="Calibri"/>
+                          <a:cs typeface="Times New Roman"/>
+                        </a:rPr>
+                        <a:t>We need to discuss the level of ambition. </a:t>
+                      </a:r>
+                      <a:endParaRPr lang="da-DK" sz="1800" dirty="0" smtClean="0">
+                        <a:latin typeface="+mn-lt"/>
+                        <a:ea typeface="Calibri"/>
+                        <a:cs typeface="Times New Roman"/>
+                      </a:endParaRPr>
+                    </a:p>
+                    <a:p>
+                      <a:pPr marL="342900" lvl="0" indent="-342900">
+                        <a:lnSpc>
+                          <a:spcPct val="115000"/>
+                        </a:lnSpc>
+                        <a:spcAft>
+                          <a:spcPts val="0"/>
+                        </a:spcAft>
+                        <a:buFont typeface="Symbol"/>
+                        <a:buChar char=""/>
+                      </a:pPr>
+                      <a:r>
+                        <a:rPr lang="en-US" sz="1800" dirty="0" smtClean="0">
+                          <a:latin typeface="+mn-lt"/>
+                          <a:ea typeface="Calibri"/>
+                          <a:cs typeface="Times New Roman"/>
+                        </a:rPr>
+                        <a:t>We need to have a meeting every morning, and write down what we have done, and what we will do for the rest of the day.</a:t>
+                      </a:r>
+                      <a:endParaRPr lang="da-DK" sz="1800" dirty="0" smtClean="0">
+                        <a:latin typeface="+mn-lt"/>
+                        <a:ea typeface="Calibri"/>
+                        <a:cs typeface="Times New Roman"/>
+                      </a:endParaRPr>
+                    </a:p>
+                    <a:p>
+                      <a:pPr marL="342900" lvl="0" indent="-342900">
+                        <a:lnSpc>
+                          <a:spcPct val="115000"/>
+                        </a:lnSpc>
+                        <a:spcAft>
+                          <a:spcPts val="0"/>
+                        </a:spcAft>
+                        <a:buFont typeface="Symbol"/>
+                        <a:buChar char=""/>
+                      </a:pPr>
+                      <a:r>
+                        <a:rPr lang="en-US" sz="1800" dirty="0" smtClean="0">
+                          <a:latin typeface="+mn-lt"/>
+                          <a:ea typeface="Calibri"/>
+                          <a:cs typeface="Times New Roman"/>
+                        </a:rPr>
+                        <a:t>We need a written time schedule.</a:t>
+                      </a:r>
+                      <a:endParaRPr lang="da-DK" sz="1800" dirty="0" smtClean="0">
+                        <a:latin typeface="+mn-lt"/>
+                        <a:ea typeface="Calibri"/>
+                        <a:cs typeface="Times New Roman"/>
+                      </a:endParaRPr>
+                    </a:p>
+                    <a:p>
+                      <a:pPr marL="342900" lvl="0" indent="-342900">
+                        <a:lnSpc>
+                          <a:spcPct val="115000"/>
+                        </a:lnSpc>
+                        <a:spcAft>
+                          <a:spcPts val="1000"/>
+                        </a:spcAft>
+                        <a:buFont typeface="Symbol"/>
+                        <a:buChar char=""/>
+                      </a:pPr>
+                      <a:r>
+                        <a:rPr lang="en-US" sz="1800" dirty="0" smtClean="0">
+                          <a:latin typeface="+mn-lt"/>
+                          <a:ea typeface="Calibri"/>
+                          <a:cs typeface="Times New Roman"/>
+                        </a:rPr>
+                        <a:t>We also need to be better prepared for the meetings with our supervisor. </a:t>
+                      </a:r>
+                      <a:endParaRPr lang="da-DK" sz="1800" dirty="0" smtClean="0">
+                        <a:latin typeface="+mn-lt"/>
+                        <a:ea typeface="Calibri"/>
+                        <a:cs typeface="Times New Roman"/>
+                      </a:endParaRPr>
+                    </a:p>
+                  </a:txBody>
+                  <a:tcPr/>
+                </a:tc>
+                <a:tc>
+                  <a:txBody>
+                    <a:bodyPr/>
+                    <a:lstStyle/>
+                    <a:p>
+                      <a:pPr marL="342900" lvl="0" indent="-342900">
+                        <a:lnSpc>
+                          <a:spcPct val="115000"/>
+                        </a:lnSpc>
+                        <a:spcAft>
+                          <a:spcPts val="0"/>
+                        </a:spcAft>
+                        <a:buFont typeface="Symbol"/>
+                        <a:buChar char=""/>
+                      </a:pPr>
+                      <a:r>
+                        <a:rPr lang="en-US" sz="1800" dirty="0" smtClean="0">
+                          <a:latin typeface="+mn-lt"/>
+                          <a:ea typeface="Calibri"/>
+                          <a:cs typeface="Times New Roman"/>
+                        </a:rPr>
+                        <a:t>We should keep dividing subjects out to write individually.</a:t>
+                      </a:r>
+                      <a:endParaRPr lang="da-DK" sz="1800" dirty="0" smtClean="0">
+                        <a:latin typeface="+mn-lt"/>
+                        <a:ea typeface="Calibri"/>
+                        <a:cs typeface="Times New Roman"/>
+                      </a:endParaRPr>
+                    </a:p>
+                    <a:p>
+                      <a:pPr marL="342900" lvl="0" indent="-342900">
+                        <a:lnSpc>
+                          <a:spcPct val="115000"/>
+                        </a:lnSpc>
+                        <a:spcAft>
+                          <a:spcPts val="1000"/>
+                        </a:spcAft>
+                        <a:buFont typeface="Symbol"/>
+                        <a:buChar char=""/>
+                      </a:pPr>
+                      <a:r>
+                        <a:rPr lang="en-US" sz="1800" dirty="0" smtClean="0">
+                          <a:latin typeface="+mn-lt"/>
+                          <a:ea typeface="Calibri"/>
+                          <a:cs typeface="Times New Roman"/>
+                        </a:rPr>
+                        <a:t>We should still have no specific team leader.</a:t>
+                      </a:r>
+                      <a:endParaRPr lang="da-DK" sz="1800" dirty="0" smtClean="0">
+                        <a:latin typeface="+mn-lt"/>
+                        <a:ea typeface="Calibri"/>
+                        <a:cs typeface="Times New Roman"/>
+                      </a:endParaRPr>
+                    </a:p>
+                  </a:txBody>
+                  <a:tcPr/>
+                </a:tc>
+              </a:tr>
+            </a:tbl>
+          </a:graphicData>
+        </a:graphic>
+      </p:graphicFrame>
+    </p:spTree>
+    <p:extLst>
+      <p:ext uri="{BB962C8B-B14F-4D97-AF65-F5344CB8AC3E}">
+        <p14:creationId xmlns:p14="http://schemas.microsoft.com/office/powerpoint/2010/main" val="1868469641"/>
       </p:ext>
     </p:extLst>
   </p:cSld>
@@ -10750,23 +11361,59 @@
           <a:bodyPr/>
           <a:lstStyle/>
           <a:p>
-            <a:r>
-              <a:rPr lang="da-DK" dirty="0" err="1" smtClean="0"/>
-              <a:t>Introduction</a:t>
-            </a:r>
-            <a:endParaRPr lang="da-DK" dirty="0" smtClean="0"/>
-          </a:p>
-          <a:p>
-            <a:r>
-              <a:rPr lang="da-DK" dirty="0" smtClean="0"/>
-              <a:t>Statement </a:t>
-            </a:r>
-            <a:r>
-              <a:rPr lang="da-DK" smtClean="0"/>
-              <a:t>of problem</a:t>
-            </a:r>
-          </a:p>
-          <a:p>
+            <a:pPr lvl="0"/>
+            <a:r>
+              <a:rPr lang="en-US" dirty="0" smtClean="0"/>
+              <a:t>Short </a:t>
+            </a:r>
+            <a:r>
+              <a:rPr lang="en-US" dirty="0"/>
+              <a:t>introduction &amp; Problem analysis</a:t>
+            </a:r>
+            <a:endParaRPr lang="da-DK" dirty="0"/>
+          </a:p>
+          <a:p>
+            <a:pPr lvl="0"/>
+            <a:r>
+              <a:rPr lang="en-US" dirty="0"/>
+              <a:t>Theory of IMEI, IMSI, and Android</a:t>
+            </a:r>
+            <a:endParaRPr lang="da-DK" dirty="0"/>
+          </a:p>
+          <a:p>
+            <a:pPr lvl="0"/>
+            <a:r>
+              <a:rPr lang="en-US" dirty="0"/>
+              <a:t>Theft of cellphones and IMEI</a:t>
+            </a:r>
+            <a:endParaRPr lang="da-DK" dirty="0"/>
+          </a:p>
+          <a:p>
+            <a:pPr lvl="0"/>
+            <a:r>
+              <a:rPr lang="en-US" dirty="0" smtClean="0"/>
+              <a:t>Legal and illegal u</a:t>
+            </a:r>
+            <a:r>
+              <a:rPr lang="en-US" dirty="0" smtClean="0"/>
+              <a:t>sage </a:t>
+            </a:r>
+            <a:r>
+              <a:rPr lang="en-US" dirty="0"/>
+              <a:t>of IMEI</a:t>
+            </a:r>
+            <a:endParaRPr lang="da-DK" dirty="0"/>
+          </a:p>
+          <a:p>
+            <a:pPr lvl="0"/>
+            <a:r>
+              <a:rPr lang="en-US" dirty="0"/>
+              <a:t>Conclusion &amp; process </a:t>
+            </a:r>
+            <a:r>
+              <a:rPr lang="en-US" dirty="0" smtClean="0"/>
+              <a:t>analysis</a:t>
+            </a:r>
             <a:endParaRPr lang="da-DK" dirty="0"/>
           </a:p>
         </p:txBody>
@@ -10775,6 +11422,929 @@
     <p:extLst>
       <p:ext uri="{BB962C8B-B14F-4D97-AF65-F5344CB8AC3E}">
         <p14:creationId xmlns:p14="http://schemas.microsoft.com/office/powerpoint/2010/main" val="1384792039"/>
+      </p:ext>
+    </p:extLst>
+  </p:cSld>
+  <p:clrMapOvr>
+    <a:masterClrMapping/>
+  </p:clrMapOvr>
+  <p:timing>
+    <p:tnLst>
+      <p:par>
+        <p:cTn id="1" dur="indefinite" restart="never" nodeType="tmRoot"/>
+      </p:par>
+    </p:tnLst>
+  </p:timing>
+</p:sld>
+</file>
+
+<file path=ppt/slides/slide3.xml><?xml version="1.0" encoding="utf-8"?>
+<p:sld xmlns:a="http://schemas.openxmlformats.org/drawingml/2006/main" xmlns:r="http://schemas.openxmlformats.org/officeDocument/2006/relationships" xmlns:p="http://schemas.openxmlformats.org/presentationml/2006/main">
+  <p:cSld>
+    <p:spTree>
+      <p:nvGrpSpPr>
+        <p:cNvPr id="1" name=""/>
+        <p:cNvGrpSpPr/>
+        <p:nvPr/>
+      </p:nvGrpSpPr>
+      <p:grpSpPr>
+        <a:xfrm>
+          <a:off x="0" y="0"/>
+          <a:ext cx="0" cy="0"/>
+          <a:chOff x="0" y="0"/>
+          <a:chExt cx="0" cy="0"/>
+        </a:xfrm>
+      </p:grpSpPr>
+      <p:sp>
+        <p:nvSpPr>
+          <p:cNvPr id="2" name="Titel 1"/>
+          <p:cNvSpPr>
+            <a:spLocks noGrp="1"/>
+          </p:cNvSpPr>
+          <p:nvPr>
+            <p:ph type="title"/>
+          </p:nvPr>
+        </p:nvSpPr>
+        <p:spPr/>
+        <p:txBody>
+          <a:bodyPr/>
+          <a:lstStyle/>
+          <a:p>
+            <a:r>
+              <a:rPr lang="da-DK" dirty="0" err="1" smtClean="0"/>
+              <a:t>Introduction</a:t>
+            </a:r>
+            <a:endParaRPr lang="da-DK" dirty="0"/>
+          </a:p>
+        </p:txBody>
+      </p:sp>
+      <p:sp>
+        <p:nvSpPr>
+          <p:cNvPr id="3" name="Pladsholder til indhold 2"/>
+          <p:cNvSpPr>
+            <a:spLocks noGrp="1"/>
+          </p:cNvSpPr>
+          <p:nvPr>
+            <p:ph idx="1"/>
+          </p:nvPr>
+        </p:nvSpPr>
+        <p:spPr/>
+        <p:txBody>
+          <a:bodyPr>
+            <a:normAutofit fontScale="77500" lnSpcReduction="20000"/>
+          </a:bodyPr>
+          <a:lstStyle/>
+          <a:p>
+            <a:r>
+              <a:rPr lang="en-US" dirty="0"/>
+              <a:t>IMEI and IMSI abuse on Android smartphones</a:t>
+            </a:r>
+          </a:p>
+          <a:p>
+            <a:endParaRPr lang="en-US" dirty="0"/>
+          </a:p>
+          <a:p>
+            <a:r>
+              <a:rPr lang="en-US" dirty="0"/>
+              <a:t>Why did we choose this topic</a:t>
+            </a:r>
+          </a:p>
+          <a:p>
+            <a:endParaRPr lang="en-US" dirty="0"/>
+          </a:p>
+          <a:p>
+            <a:r>
+              <a:rPr lang="en-US" dirty="0"/>
+              <a:t>400.000 Android phones are activated every day</a:t>
+            </a:r>
+          </a:p>
+          <a:p>
+            <a:endParaRPr lang="en-US" dirty="0"/>
+          </a:p>
+          <a:p>
+            <a:r>
+              <a:rPr lang="en-US" dirty="0"/>
+              <a:t>Android Applications can read the IMEI and IMSI numbers</a:t>
+            </a:r>
+          </a:p>
+          <a:p>
+            <a:endParaRPr lang="en-US" dirty="0"/>
+          </a:p>
+          <a:p>
+            <a:r>
+              <a:rPr lang="en-US" dirty="0"/>
+              <a:t>But the problem is writing new IMEI and IMSI numbers to a phone.</a:t>
+            </a:r>
+          </a:p>
+          <a:p>
+            <a:endParaRPr lang="en-US" dirty="0"/>
+          </a:p>
+          <a:p>
+            <a:r>
+              <a:rPr lang="en-US" dirty="0"/>
+              <a:t>Our problem statement:</a:t>
+            </a:r>
+          </a:p>
+          <a:p>
+            <a:endParaRPr lang="en-US" dirty="0"/>
+          </a:p>
+          <a:p>
+            <a:pPr lvl="1"/>
+            <a:r>
+              <a:rPr lang="en-US" dirty="0"/>
+              <a:t>Why can apps on Android-phones get the IMEI, and what consequences can it have?</a:t>
+            </a:r>
+            <a:endParaRPr lang="da-DK" dirty="0"/>
+          </a:p>
+        </p:txBody>
+      </p:sp>
+    </p:spTree>
+    <p:extLst>
+      <p:ext uri="{BB962C8B-B14F-4D97-AF65-F5344CB8AC3E}">
+        <p14:creationId xmlns:p14="http://schemas.microsoft.com/office/powerpoint/2010/main" val="2791342169"/>
+      </p:ext>
+    </p:extLst>
+  </p:cSld>
+  <p:clrMapOvr>
+    <a:masterClrMapping/>
+  </p:clrMapOvr>
+  <p:timing>
+    <p:tnLst>
+      <p:par>
+        <p:cTn id="1" dur="indefinite" restart="never" nodeType="tmRoot"/>
+      </p:par>
+    </p:tnLst>
+  </p:timing>
+</p:sld>
+</file>
+
+<file path=ppt/slides/slide4.xml><?xml version="1.0" encoding="utf-8"?>
+<p:sld xmlns:a="http://schemas.openxmlformats.org/drawingml/2006/main" xmlns:r="http://schemas.openxmlformats.org/officeDocument/2006/relationships" xmlns:p="http://schemas.openxmlformats.org/presentationml/2006/main">
+  <p:cSld>
+    <p:spTree>
+      <p:nvGrpSpPr>
+        <p:cNvPr id="1" name=""/>
+        <p:cNvGrpSpPr/>
+        <p:nvPr/>
+      </p:nvGrpSpPr>
+      <p:grpSpPr>
+        <a:xfrm>
+          <a:off x="0" y="0"/>
+          <a:ext cx="0" cy="0"/>
+          <a:chOff x="0" y="0"/>
+          <a:chExt cx="0" cy="0"/>
+        </a:xfrm>
+      </p:grpSpPr>
+      <p:sp>
+        <p:nvSpPr>
+          <p:cNvPr id="2" name="Titel 1"/>
+          <p:cNvSpPr>
+            <a:spLocks noGrp="1"/>
+          </p:cNvSpPr>
+          <p:nvPr>
+            <p:ph type="title"/>
+          </p:nvPr>
+        </p:nvSpPr>
+        <p:spPr/>
+        <p:txBody>
+          <a:bodyPr/>
+          <a:lstStyle/>
+          <a:p>
+            <a:r>
+              <a:rPr lang="da-DK" dirty="0" smtClean="0"/>
+              <a:t>IMEI, IMSI and Android</a:t>
+            </a:r>
+            <a:endParaRPr lang="da-DK" dirty="0"/>
+          </a:p>
+        </p:txBody>
+      </p:sp>
+      <p:sp>
+        <p:nvSpPr>
+          <p:cNvPr id="3" name="Pladsholder til indhold 2"/>
+          <p:cNvSpPr>
+            <a:spLocks noGrp="1"/>
+          </p:cNvSpPr>
+          <p:nvPr>
+            <p:ph idx="1"/>
+          </p:nvPr>
+        </p:nvSpPr>
+        <p:spPr/>
+        <p:txBody>
+          <a:bodyPr/>
+          <a:lstStyle/>
+          <a:p>
+            <a:r>
+              <a:rPr lang="en-US" dirty="0" smtClean="0"/>
+              <a:t>IMEI is the identity number of the phone</a:t>
+            </a:r>
+          </a:p>
+          <a:p>
+            <a:r>
+              <a:rPr lang="en-US" dirty="0" smtClean="0"/>
+              <a:t>IMSI is the identity number of the SIM</a:t>
+            </a:r>
+          </a:p>
+          <a:p>
+            <a:endParaRPr lang="en-US" dirty="0" smtClean="0"/>
+          </a:p>
+          <a:p>
+            <a:r>
+              <a:rPr lang="en-US" dirty="0" smtClean="0"/>
+              <a:t>Android is an operating system to smartphones and tablets</a:t>
+            </a:r>
+            <a:endParaRPr lang="en-US" dirty="0"/>
+          </a:p>
+        </p:txBody>
+      </p:sp>
+    </p:spTree>
+    <p:extLst>
+      <p:ext uri="{BB962C8B-B14F-4D97-AF65-F5344CB8AC3E}">
+        <p14:creationId xmlns:p14="http://schemas.microsoft.com/office/powerpoint/2010/main" val="4102988169"/>
+      </p:ext>
+    </p:extLst>
+  </p:cSld>
+  <p:clrMapOvr>
+    <a:masterClrMapping/>
+  </p:clrMapOvr>
+  <p:timing>
+    <p:tnLst>
+      <p:par>
+        <p:cTn id="1" dur="indefinite" restart="never" nodeType="tmRoot"/>
+      </p:par>
+    </p:tnLst>
+  </p:timing>
+</p:sld>
+</file>
+
+<file path=ppt/slides/slide5.xml><?xml version="1.0" encoding="utf-8"?>
+<p:sld xmlns:a="http://schemas.openxmlformats.org/drawingml/2006/main" xmlns:r="http://schemas.openxmlformats.org/officeDocument/2006/relationships" xmlns:p="http://schemas.openxmlformats.org/presentationml/2006/main">
+  <p:cSld>
+    <p:spTree>
+      <p:nvGrpSpPr>
+        <p:cNvPr id="1" name=""/>
+        <p:cNvGrpSpPr/>
+        <p:nvPr/>
+      </p:nvGrpSpPr>
+      <p:grpSpPr>
+        <a:xfrm>
+          <a:off x="0" y="0"/>
+          <a:ext cx="0" cy="0"/>
+          <a:chOff x="0" y="0"/>
+          <a:chExt cx="0" cy="0"/>
+        </a:xfrm>
+      </p:grpSpPr>
+      <p:sp>
+        <p:nvSpPr>
+          <p:cNvPr id="2" name="Titel 1"/>
+          <p:cNvSpPr>
+            <a:spLocks noGrp="1"/>
+          </p:cNvSpPr>
+          <p:nvPr>
+            <p:ph type="title"/>
+          </p:nvPr>
+        </p:nvSpPr>
+        <p:spPr/>
+        <p:txBody>
+          <a:bodyPr/>
+          <a:lstStyle/>
+          <a:p>
+            <a:r>
+              <a:rPr lang="da-DK" dirty="0" err="1" smtClean="0"/>
+              <a:t>Theft</a:t>
+            </a:r>
+            <a:r>
+              <a:rPr lang="da-DK" dirty="0" smtClean="0"/>
+              <a:t> of </a:t>
+            </a:r>
+            <a:r>
+              <a:rPr lang="da-DK" dirty="0" err="1"/>
+              <a:t>c</a:t>
+            </a:r>
+            <a:r>
+              <a:rPr lang="da-DK" dirty="0" err="1" smtClean="0"/>
+              <a:t>ellphones</a:t>
+            </a:r>
+            <a:r>
+              <a:rPr lang="da-DK" dirty="0" smtClean="0"/>
+              <a:t> and IMEI	</a:t>
+            </a:r>
+            <a:endParaRPr lang="da-DK" dirty="0"/>
+          </a:p>
+        </p:txBody>
+      </p:sp>
+      <p:sp>
+        <p:nvSpPr>
+          <p:cNvPr id="3" name="Pladsholder til indhold 2"/>
+          <p:cNvSpPr>
+            <a:spLocks noGrp="1"/>
+          </p:cNvSpPr>
+          <p:nvPr>
+            <p:ph idx="1"/>
+          </p:nvPr>
+        </p:nvSpPr>
+        <p:spPr/>
+        <p:txBody>
+          <a:bodyPr/>
+          <a:lstStyle/>
+          <a:p>
+            <a:r>
+              <a:rPr lang="en-US" dirty="0" smtClean="0"/>
+              <a:t>Cellphone </a:t>
+            </a:r>
+            <a:r>
+              <a:rPr lang="en-US" dirty="0"/>
+              <a:t>Theft</a:t>
+            </a:r>
+          </a:p>
+          <a:p>
+            <a:pPr lvl="1"/>
+            <a:r>
+              <a:rPr lang="en-US" dirty="0" smtClean="0"/>
+              <a:t>Legal </a:t>
+            </a:r>
+            <a:r>
+              <a:rPr lang="en-US" dirty="0"/>
+              <a:t>sales</a:t>
+            </a:r>
+          </a:p>
+          <a:p>
+            <a:pPr lvl="1"/>
+            <a:r>
+              <a:rPr lang="en-US" dirty="0" smtClean="0"/>
+              <a:t>Illegal </a:t>
+            </a:r>
+            <a:r>
+              <a:rPr lang="en-US" dirty="0"/>
+              <a:t>sales</a:t>
+            </a:r>
+          </a:p>
+          <a:p>
+            <a:pPr lvl="1"/>
+            <a:r>
+              <a:rPr lang="en-US" dirty="0" smtClean="0"/>
+              <a:t>Fakes</a:t>
+            </a:r>
+            <a:endParaRPr lang="en-US" dirty="0"/>
+          </a:p>
+          <a:p>
+            <a:r>
+              <a:rPr lang="en-US" dirty="0"/>
+              <a:t>IMEI Theft</a:t>
+            </a:r>
+          </a:p>
+          <a:p>
+            <a:pPr lvl="1"/>
+            <a:r>
+              <a:rPr lang="en-US" dirty="0" smtClean="0"/>
+              <a:t>Spiderman </a:t>
+            </a:r>
+            <a:r>
+              <a:rPr lang="en-US" dirty="0"/>
+              <a:t>kit</a:t>
+            </a:r>
+          </a:p>
+          <a:p>
+            <a:endParaRPr lang="da-DK" dirty="0"/>
+          </a:p>
+        </p:txBody>
+      </p:sp>
+    </p:spTree>
+    <p:extLst>
+      <p:ext uri="{BB962C8B-B14F-4D97-AF65-F5344CB8AC3E}">
+        <p14:creationId xmlns:p14="http://schemas.microsoft.com/office/powerpoint/2010/main" val="1948193993"/>
+      </p:ext>
+    </p:extLst>
+  </p:cSld>
+  <p:clrMapOvr>
+    <a:masterClrMapping/>
+  </p:clrMapOvr>
+  <p:timing>
+    <p:tnLst>
+      <p:par>
+        <p:cTn id="1" dur="indefinite" restart="never" nodeType="tmRoot"/>
+      </p:par>
+    </p:tnLst>
+  </p:timing>
+</p:sld>
+</file>
+
+<file path=ppt/slides/slide6.xml><?xml version="1.0" encoding="utf-8"?>
+<p:sld xmlns:a="http://schemas.openxmlformats.org/drawingml/2006/main" xmlns:r="http://schemas.openxmlformats.org/officeDocument/2006/relationships" xmlns:p="http://schemas.openxmlformats.org/presentationml/2006/main">
+  <p:cSld>
+    <p:spTree>
+      <p:nvGrpSpPr>
+        <p:cNvPr id="1" name=""/>
+        <p:cNvGrpSpPr/>
+        <p:nvPr/>
+      </p:nvGrpSpPr>
+      <p:grpSpPr>
+        <a:xfrm>
+          <a:off x="0" y="0"/>
+          <a:ext cx="0" cy="0"/>
+          <a:chOff x="0" y="0"/>
+          <a:chExt cx="0" cy="0"/>
+        </a:xfrm>
+      </p:grpSpPr>
+      <p:sp>
+        <p:nvSpPr>
+          <p:cNvPr id="2" name="Titel 1"/>
+          <p:cNvSpPr>
+            <a:spLocks noGrp="1"/>
+          </p:cNvSpPr>
+          <p:nvPr>
+            <p:ph type="title"/>
+          </p:nvPr>
+        </p:nvSpPr>
+        <p:spPr/>
+        <p:txBody>
+          <a:bodyPr/>
+          <a:lstStyle/>
+          <a:p>
+            <a:r>
+              <a:rPr lang="en-US" dirty="0" smtClean="0"/>
+              <a:t>Legal usage of IMEI</a:t>
+            </a:r>
+            <a:endParaRPr lang="en-US" dirty="0"/>
+          </a:p>
+        </p:txBody>
+      </p:sp>
+      <p:sp>
+        <p:nvSpPr>
+          <p:cNvPr id="3" name="Pladsholder til indhold 2"/>
+          <p:cNvSpPr>
+            <a:spLocks noGrp="1"/>
+          </p:cNvSpPr>
+          <p:nvPr>
+            <p:ph idx="1"/>
+          </p:nvPr>
+        </p:nvSpPr>
+        <p:spPr/>
+        <p:txBody>
+          <a:bodyPr/>
+          <a:lstStyle/>
+          <a:p>
+            <a:pPr marL="457200" indent="-457200">
+              <a:buFont typeface="Arial" pitchFamily="34" charset="0"/>
+              <a:buChar char="•"/>
+            </a:pPr>
+            <a:r>
+              <a:rPr lang="en-US" dirty="0"/>
+              <a:t>Law of IMEI</a:t>
+            </a:r>
+          </a:p>
+          <a:p>
+            <a:pPr marL="457200" indent="-457200">
+              <a:buFont typeface="Arial" pitchFamily="34" charset="0"/>
+              <a:buChar char="•"/>
+            </a:pPr>
+            <a:r>
+              <a:rPr lang="en-US" dirty="0"/>
+              <a:t>Legal use</a:t>
+            </a:r>
+          </a:p>
+          <a:p>
+            <a:pPr marL="914400" lvl="1" indent="-457200">
+              <a:buFont typeface="Arial" pitchFamily="34" charset="0"/>
+              <a:buChar char="•"/>
+            </a:pPr>
+            <a:r>
+              <a:rPr lang="en-US" dirty="0"/>
+              <a:t>What does the user use the IMEI number to?</a:t>
+            </a:r>
+          </a:p>
+          <a:p>
+            <a:pPr marL="914400" lvl="1" indent="-457200">
+              <a:buFont typeface="Arial" pitchFamily="34" charset="0"/>
+              <a:buChar char="•"/>
+            </a:pPr>
+            <a:r>
+              <a:rPr lang="en-US" dirty="0"/>
+              <a:t>What can apps use IMEI to</a:t>
+            </a:r>
+            <a:r>
+              <a:rPr lang="en-US" dirty="0" smtClean="0"/>
+              <a:t>?</a:t>
+            </a:r>
+            <a:endParaRPr lang="en-US" dirty="0"/>
+          </a:p>
+        </p:txBody>
+      </p:sp>
+    </p:spTree>
+    <p:extLst>
+      <p:ext uri="{BB962C8B-B14F-4D97-AF65-F5344CB8AC3E}">
+        <p14:creationId xmlns:p14="http://schemas.microsoft.com/office/powerpoint/2010/main" val="2833031749"/>
+      </p:ext>
+    </p:extLst>
+  </p:cSld>
+  <p:clrMapOvr>
+    <a:masterClrMapping/>
+  </p:clrMapOvr>
+  <p:timing>
+    <p:tnLst>
+      <p:par>
+        <p:cTn id="1" dur="indefinite" restart="never" nodeType="tmRoot"/>
+      </p:par>
+    </p:tnLst>
+  </p:timing>
+</p:sld>
+</file>
+
+<file path=ppt/slides/slide7.xml><?xml version="1.0" encoding="utf-8"?>
+<p:sld xmlns:a="http://schemas.openxmlformats.org/drawingml/2006/main" xmlns:r="http://schemas.openxmlformats.org/officeDocument/2006/relationships" xmlns:p="http://schemas.openxmlformats.org/presentationml/2006/main">
+  <p:cSld>
+    <p:spTree>
+      <p:nvGrpSpPr>
+        <p:cNvPr id="1" name=""/>
+        <p:cNvGrpSpPr/>
+        <p:nvPr/>
+      </p:nvGrpSpPr>
+      <p:grpSpPr>
+        <a:xfrm>
+          <a:off x="0" y="0"/>
+          <a:ext cx="0" cy="0"/>
+          <a:chOff x="0" y="0"/>
+          <a:chExt cx="0" cy="0"/>
+        </a:xfrm>
+      </p:grpSpPr>
+      <p:sp>
+        <p:nvSpPr>
+          <p:cNvPr id="2" name="Titel 1"/>
+          <p:cNvSpPr>
+            <a:spLocks noGrp="1"/>
+          </p:cNvSpPr>
+          <p:nvPr>
+            <p:ph type="title"/>
+          </p:nvPr>
+        </p:nvSpPr>
+        <p:spPr/>
+        <p:txBody>
+          <a:bodyPr>
+            <a:normAutofit/>
+          </a:bodyPr>
+          <a:lstStyle/>
+          <a:p>
+            <a:r>
+              <a:rPr lang="en-US" b="1" dirty="0"/>
+              <a:t>Illegal </a:t>
+            </a:r>
+            <a:r>
+              <a:rPr lang="en-US" b="1" dirty="0" smtClean="0"/>
+              <a:t>use</a:t>
+            </a:r>
+            <a:endParaRPr lang="da-DK" dirty="0"/>
+          </a:p>
+        </p:txBody>
+      </p:sp>
+      <p:sp>
+        <p:nvSpPr>
+          <p:cNvPr id="3" name="Pladsholder til indhold 2"/>
+          <p:cNvSpPr>
+            <a:spLocks noGrp="1"/>
+          </p:cNvSpPr>
+          <p:nvPr>
+            <p:ph idx="1"/>
+          </p:nvPr>
+        </p:nvSpPr>
+        <p:spPr/>
+        <p:txBody>
+          <a:bodyPr/>
+          <a:lstStyle/>
+          <a:p>
+            <a:r>
+              <a:rPr lang="en-US" dirty="0"/>
+              <a:t>Popular among criminals</a:t>
+            </a:r>
+            <a:endParaRPr lang="da-DK" dirty="0"/>
+          </a:p>
+          <a:p>
+            <a:r>
+              <a:rPr lang="en-US" dirty="0"/>
+              <a:t>Used to track, therefor used as disguise</a:t>
+            </a:r>
+            <a:endParaRPr lang="da-DK" dirty="0"/>
+          </a:p>
+          <a:p>
+            <a:r>
+              <a:rPr lang="en-US" dirty="0"/>
+              <a:t>Copy of identity</a:t>
+            </a:r>
+            <a:endParaRPr lang="da-DK" dirty="0"/>
+          </a:p>
+          <a:p>
+            <a:pPr lvl="1"/>
+            <a:r>
+              <a:rPr lang="en-US" dirty="0"/>
+              <a:t>IMEI and IMSI is needed</a:t>
+            </a:r>
+            <a:endParaRPr lang="da-DK" dirty="0"/>
+          </a:p>
+          <a:p>
+            <a:pPr lvl="1"/>
+            <a:r>
+              <a:rPr lang="en-US" dirty="0" err="1"/>
+              <a:t>TelephonyManager</a:t>
+            </a:r>
+            <a:r>
+              <a:rPr lang="en-US" dirty="0"/>
+              <a:t> library use </a:t>
+            </a:r>
+            <a:r>
+              <a:rPr lang="en-US" dirty="0" err="1"/>
+              <a:t>getSubscriberId</a:t>
+            </a:r>
+            <a:endParaRPr lang="da-DK" dirty="0"/>
+          </a:p>
+          <a:p>
+            <a:pPr lvl="1"/>
+            <a:r>
+              <a:rPr lang="en-US" dirty="0"/>
+              <a:t>Identity copied by obtaining IMEI &amp; IMSI</a:t>
+            </a:r>
+            <a:endParaRPr lang="da-DK" dirty="0"/>
+          </a:p>
+          <a:p>
+            <a:pPr lvl="1"/>
+            <a:r>
+              <a:rPr lang="en-US" dirty="0"/>
+              <a:t>Trojans used to obtain the IMEI &amp; IMSI</a:t>
+            </a:r>
+            <a:endParaRPr lang="da-DK" dirty="0"/>
+          </a:p>
+          <a:p>
+            <a:endParaRPr lang="da-DK" dirty="0"/>
+          </a:p>
+        </p:txBody>
+      </p:sp>
+    </p:spTree>
+    <p:extLst>
+      <p:ext uri="{BB962C8B-B14F-4D97-AF65-F5344CB8AC3E}">
+        <p14:creationId xmlns:p14="http://schemas.microsoft.com/office/powerpoint/2010/main" val="3120446552"/>
+      </p:ext>
+    </p:extLst>
+  </p:cSld>
+  <p:clrMapOvr>
+    <a:masterClrMapping/>
+  </p:clrMapOvr>
+  <p:timing>
+    <p:tnLst>
+      <p:par>
+        <p:cTn id="1" dur="indefinite" restart="never" nodeType="tmRoot"/>
+      </p:par>
+    </p:tnLst>
+  </p:timing>
+</p:sld>
+</file>
+
+<file path=ppt/slides/slide8.xml><?xml version="1.0" encoding="utf-8"?>
+<p:sld xmlns:a="http://schemas.openxmlformats.org/drawingml/2006/main" xmlns:r="http://schemas.openxmlformats.org/officeDocument/2006/relationships" xmlns:p="http://schemas.openxmlformats.org/presentationml/2006/main">
+  <p:cSld>
+    <p:spTree>
+      <p:nvGrpSpPr>
+        <p:cNvPr id="1" name=""/>
+        <p:cNvGrpSpPr/>
+        <p:nvPr/>
+      </p:nvGrpSpPr>
+      <p:grpSpPr>
+        <a:xfrm>
+          <a:off x="0" y="0"/>
+          <a:ext cx="0" cy="0"/>
+          <a:chOff x="0" y="0"/>
+          <a:chExt cx="0" cy="0"/>
+        </a:xfrm>
+      </p:grpSpPr>
+      <p:sp>
+        <p:nvSpPr>
+          <p:cNvPr id="2" name="Titel 1"/>
+          <p:cNvSpPr>
+            <a:spLocks noGrp="1"/>
+          </p:cNvSpPr>
+          <p:nvPr>
+            <p:ph type="title"/>
+          </p:nvPr>
+        </p:nvSpPr>
+        <p:spPr/>
+        <p:txBody>
+          <a:bodyPr/>
+          <a:lstStyle/>
+          <a:p>
+            <a:r>
+              <a:rPr lang="en-US" b="1" dirty="0"/>
+              <a:t>Illegal IMEI implants</a:t>
+            </a:r>
+            <a:endParaRPr lang="da-DK" b="1" dirty="0"/>
+          </a:p>
+        </p:txBody>
+      </p:sp>
+      <p:sp>
+        <p:nvSpPr>
+          <p:cNvPr id="3" name="Pladsholder til indhold 2"/>
+          <p:cNvSpPr>
+            <a:spLocks noGrp="1"/>
+          </p:cNvSpPr>
+          <p:nvPr>
+            <p:ph idx="1"/>
+          </p:nvPr>
+        </p:nvSpPr>
+        <p:spPr/>
+        <p:txBody>
+          <a:bodyPr/>
+          <a:lstStyle/>
+          <a:p>
+            <a:r>
+              <a:rPr lang="en-US" dirty="0"/>
+              <a:t>China phones made without ore with zero </a:t>
+            </a:r>
+            <a:r>
+              <a:rPr lang="en-US" dirty="0" err="1"/>
+              <a:t>IMEI’s</a:t>
+            </a:r>
+            <a:endParaRPr lang="da-DK" dirty="0"/>
+          </a:p>
+          <a:p>
+            <a:r>
+              <a:rPr lang="en-US" dirty="0"/>
+              <a:t>Indian market affected due to acts against terror</a:t>
+            </a:r>
+            <a:endParaRPr lang="da-DK" dirty="0"/>
+          </a:p>
+          <a:p>
+            <a:r>
+              <a:rPr lang="en-US" dirty="0"/>
+              <a:t>Examples of IMEI abuse</a:t>
+            </a:r>
+            <a:endParaRPr lang="da-DK" dirty="0"/>
+          </a:p>
+          <a:p>
+            <a:pPr lvl="1"/>
+            <a:r>
+              <a:rPr lang="en-US" dirty="0"/>
+              <a:t>Cloning</a:t>
+            </a:r>
+            <a:endParaRPr lang="da-DK" dirty="0"/>
+          </a:p>
+          <a:p>
+            <a:pPr lvl="1"/>
+            <a:r>
+              <a:rPr lang="en-US" dirty="0"/>
+              <a:t>Fake IMEI</a:t>
+            </a:r>
+            <a:endParaRPr lang="da-DK" dirty="0"/>
+          </a:p>
+          <a:p>
+            <a:r>
+              <a:rPr lang="en-US" dirty="0"/>
+              <a:t>Consequences of an stolen/copied IMEI</a:t>
+            </a:r>
+            <a:endParaRPr lang="da-DK" dirty="0"/>
+          </a:p>
+          <a:p>
+            <a:endParaRPr lang="da-DK" dirty="0"/>
+          </a:p>
+        </p:txBody>
+      </p:sp>
+    </p:spTree>
+    <p:extLst>
+      <p:ext uri="{BB962C8B-B14F-4D97-AF65-F5344CB8AC3E}">
+        <p14:creationId xmlns:p14="http://schemas.microsoft.com/office/powerpoint/2010/main" val="3330225698"/>
+      </p:ext>
+    </p:extLst>
+  </p:cSld>
+  <p:clrMapOvr>
+    <a:masterClrMapping/>
+  </p:clrMapOvr>
+  <p:timing>
+    <p:tnLst>
+      <p:par>
+        <p:cTn id="1" dur="indefinite" restart="never" nodeType="tmRoot"/>
+      </p:par>
+    </p:tnLst>
+  </p:timing>
+</p:sld>
+</file>
+
+<file path=ppt/slides/slide9.xml><?xml version="1.0" encoding="utf-8"?>
+<p:sld xmlns:a="http://schemas.openxmlformats.org/drawingml/2006/main" xmlns:r="http://schemas.openxmlformats.org/officeDocument/2006/relationships" xmlns:p="http://schemas.openxmlformats.org/presentationml/2006/main">
+  <p:cSld>
+    <p:spTree>
+      <p:nvGrpSpPr>
+        <p:cNvPr id="1" name=""/>
+        <p:cNvGrpSpPr/>
+        <p:nvPr/>
+      </p:nvGrpSpPr>
+      <p:grpSpPr>
+        <a:xfrm>
+          <a:off x="0" y="0"/>
+          <a:ext cx="0" cy="0"/>
+          <a:chOff x="0" y="0"/>
+          <a:chExt cx="0" cy="0"/>
+        </a:xfrm>
+      </p:grpSpPr>
+      <p:sp>
+        <p:nvSpPr>
+          <p:cNvPr id="2" name="Titel 1"/>
+          <p:cNvSpPr>
+            <a:spLocks noGrp="1"/>
+          </p:cNvSpPr>
+          <p:nvPr>
+            <p:ph type="title"/>
+          </p:nvPr>
+        </p:nvSpPr>
+        <p:spPr/>
+        <p:txBody>
+          <a:bodyPr/>
+          <a:lstStyle/>
+          <a:p>
+            <a:r>
+              <a:rPr lang="en-US" dirty="0" smtClean="0"/>
+              <a:t>Conclusion</a:t>
+            </a:r>
+            <a:endParaRPr lang="en-US" dirty="0"/>
+          </a:p>
+        </p:txBody>
+      </p:sp>
+      <p:sp>
+        <p:nvSpPr>
+          <p:cNvPr id="3" name="Pladsholder til indhold 2"/>
+          <p:cNvSpPr>
+            <a:spLocks noGrp="1"/>
+          </p:cNvSpPr>
+          <p:nvPr>
+            <p:ph idx="1"/>
+          </p:nvPr>
+        </p:nvSpPr>
+        <p:spPr>
+          <a:xfrm>
+            <a:off x="457200" y="1916832"/>
+            <a:ext cx="8329642" cy="4209331"/>
+          </a:xfrm>
+        </p:spPr>
+        <p:txBody>
+          <a:bodyPr>
+            <a:normAutofit/>
+          </a:bodyPr>
+          <a:lstStyle/>
+          <a:p>
+            <a:r>
+              <a:rPr lang="en-US" dirty="0" smtClean="0"/>
+              <a:t>IMEI </a:t>
+            </a:r>
+            <a:r>
+              <a:rPr lang="en-US" dirty="0"/>
+              <a:t>and IMSI numbers can be obtained by Android apps</a:t>
+            </a:r>
+            <a:r>
+              <a:rPr lang="en-US" dirty="0" smtClean="0"/>
+              <a:t>.</a:t>
+            </a:r>
+          </a:p>
+          <a:p>
+            <a:r>
+              <a:rPr lang="en-US" dirty="0" smtClean="0"/>
+              <a:t>IMEI number is a great way to uniquely identify the phone.</a:t>
+            </a:r>
+          </a:p>
+          <a:p>
+            <a:r>
+              <a:rPr lang="en-US" dirty="0" smtClean="0"/>
+              <a:t>These numbers </a:t>
+            </a:r>
+            <a:r>
+              <a:rPr lang="en-US" dirty="0"/>
+              <a:t>can </a:t>
+            </a:r>
+            <a:r>
+              <a:rPr lang="en-US" dirty="0" smtClean="0"/>
+              <a:t>be </a:t>
+            </a:r>
+            <a:r>
+              <a:rPr lang="en-US" dirty="0"/>
+              <a:t>sent to a third </a:t>
+            </a:r>
+            <a:r>
+              <a:rPr lang="en-US" dirty="0" smtClean="0"/>
+              <a:t>part.</a:t>
+            </a:r>
+          </a:p>
+          <a:p>
+            <a:r>
+              <a:rPr lang="en-US" dirty="0" smtClean="0"/>
+              <a:t>It </a:t>
+            </a:r>
+            <a:r>
+              <a:rPr lang="en-US" dirty="0"/>
+              <a:t>is possible to copy the identity of a </a:t>
+            </a:r>
+            <a:r>
+              <a:rPr lang="en-US" dirty="0" smtClean="0"/>
+              <a:t>phone.</a:t>
+            </a:r>
+          </a:p>
+        </p:txBody>
+      </p:sp>
+    </p:spTree>
+    <p:extLst>
+      <p:ext uri="{BB962C8B-B14F-4D97-AF65-F5344CB8AC3E}">
+        <p14:creationId xmlns:p14="http://schemas.microsoft.com/office/powerpoint/2010/main" val="3804119055"/>
       </p:ext>
     </p:extLst>
   </p:cSld>

--- a/trunk/p0-uni/IMEI abuse on Android smartphones.pptx
+++ b/trunk/p0-uni/IMEI abuse on Android smartphones.pptx
@@ -10644,26 +10644,88 @@
         <p:spPr>
           <a:xfrm>
             <a:off x="533400" y="3228536"/>
-            <a:ext cx="7854696" cy="2432712"/>
+            <a:ext cx="7854696" cy="3224800"/>
           </a:xfrm>
         </p:spPr>
         <p:txBody>
           <a:bodyPr>
-            <a:normAutofit/>
+            <a:normAutofit lnSpcReduction="10000"/>
           </a:bodyPr>
           <a:lstStyle/>
           <a:p>
             <a:r>
-              <a:rPr lang="en-US" smtClean="0"/>
+              <a:rPr lang="en-US" dirty="0" smtClean="0"/>
               <a:t>By B216</a:t>
             </a:r>
           </a:p>
           <a:p>
             <a:r>
-              <a:rPr lang="en-US" smtClean="0"/>
-              <a:t>Christian Jødal O’Keeffe, Nicolai Kjær Skovhus, Dag Toft Børresen Pedersen, Stefan Mathias Holst Christiansen, Thais Alexander Jones, Rasmus Fischer Gadensgaard and Anders Riedel Øland</a:t>
-            </a:r>
-            <a:endParaRPr lang="en-US"/>
+              <a:rPr lang="en-US" dirty="0" smtClean="0"/>
+              <a:t>Christian Jødal O’Keeffe, </a:t>
+            </a:r>
+            <a:endParaRPr lang="en-US" dirty="0" smtClean="0"/>
+          </a:p>
+          <a:p>
+            <a:r>
+              <a:rPr lang="en-US" dirty="0" smtClean="0"/>
+              <a:t>Nicolai </a:t>
+            </a:r>
+            <a:r>
+              <a:rPr lang="en-US" dirty="0" smtClean="0"/>
+              <a:t>Kjær Skovhus, </a:t>
+            </a:r>
+            <a:endParaRPr lang="en-US" dirty="0" smtClean="0"/>
+          </a:p>
+          <a:p>
+            <a:r>
+              <a:rPr lang="en-US" dirty="0" smtClean="0"/>
+              <a:t>Dag </a:t>
+            </a:r>
+            <a:r>
+              <a:rPr lang="en-US" dirty="0" smtClean="0"/>
+              <a:t>Toft Børresen Pedersen, </a:t>
+            </a:r>
+            <a:endParaRPr lang="en-US" dirty="0" smtClean="0"/>
+          </a:p>
+          <a:p>
+            <a:r>
+              <a:rPr lang="en-US" dirty="0" smtClean="0"/>
+              <a:t>Stefan </a:t>
+            </a:r>
+            <a:r>
+              <a:rPr lang="en-US" dirty="0" smtClean="0"/>
+              <a:t>Mathias Holst Christiansen, </a:t>
+            </a:r>
+            <a:endParaRPr lang="en-US" dirty="0" smtClean="0"/>
+          </a:p>
+          <a:p>
+            <a:r>
+              <a:rPr lang="en-US" dirty="0" smtClean="0"/>
+              <a:t>Thais </a:t>
+            </a:r>
+            <a:r>
+              <a:rPr lang="en-US" dirty="0" smtClean="0"/>
+              <a:t>Alexander Jones, </a:t>
+            </a:r>
+            <a:r>
+              <a:rPr lang="en-US" dirty="0" smtClean="0"/>
+              <a:t> </a:t>
+            </a:r>
+          </a:p>
+          <a:p>
+            <a:r>
+              <a:rPr lang="en-US" dirty="0" smtClean="0"/>
+              <a:t>and Rasmus </a:t>
+            </a:r>
+            <a:r>
+              <a:rPr lang="en-US" dirty="0" smtClean="0"/>
+              <a:t>Fischer </a:t>
+            </a:r>
+            <a:r>
+              <a:rPr lang="en-US" dirty="0" smtClean="0"/>
+              <a:t>Gadensgaard</a:t>
+            </a:r>
+            <a:endParaRPr lang="en-US" dirty="0"/>
           </a:p>
         </p:txBody>
       </p:sp>
@@ -11392,11 +11454,7 @@
             <a:pPr lvl="0"/>
             <a:r>
               <a:rPr lang="en-US" dirty="0" smtClean="0"/>
-              <a:t>Legal and illegal u</a:t>
-            </a:r>
-            <a:r>
-              <a:rPr lang="en-US" dirty="0" smtClean="0"/>
-              <a:t>sage </a:t>
+              <a:t>Legal and illegal usage </a:t>
             </a:r>
             <a:r>
               <a:rPr lang="en-US" dirty="0"/>

--- a/trunk/p0-uni/IMEI abuse on Android smartphones.pptx
+++ b/trunk/p0-uni/IMEI abuse on Android smartphones.pptx
@@ -247,7 +247,7 @@
           <a:p>
             <a:fld id="{F89CEA5E-8FF6-429F-9EFE-BB5E0A72E255}" type="datetimeFigureOut">
               <a:rPr lang="da-DK" smtClean="0"/>
-              <a:t>28-09-2011</a:t>
+              <a:t>29-09-2011</a:t>
             </a:fld>
             <a:endParaRPr lang="da-DK" dirty="0"/>
           </a:p>
@@ -424,7 +424,7 @@
           <a:p>
             <a:fld id="{F89CEA5E-8FF6-429F-9EFE-BB5E0A72E255}" type="datetimeFigureOut">
               <a:rPr lang="da-DK" smtClean="0"/>
-              <a:t>28-09-2011</a:t>
+              <a:t>29-09-2011</a:t>
             </a:fld>
             <a:endParaRPr lang="da-DK" dirty="0"/>
           </a:p>
@@ -616,7 +616,7 @@
           <a:p>
             <a:fld id="{F89CEA5E-8FF6-429F-9EFE-BB5E0A72E255}" type="datetimeFigureOut">
               <a:rPr lang="da-DK" smtClean="0"/>
-              <a:t>28-09-2011</a:t>
+              <a:t>29-09-2011</a:t>
             </a:fld>
             <a:endParaRPr lang="da-DK" dirty="0"/>
           </a:p>
@@ -2671,7 +2671,7 @@
           <a:p>
             <a:fld id="{F89CEA5E-8FF6-429F-9EFE-BB5E0A72E255}" type="datetimeFigureOut">
               <a:rPr lang="da-DK" smtClean="0"/>
-              <a:t>28-09-2011</a:t>
+              <a:t>29-09-2011</a:t>
             </a:fld>
             <a:endParaRPr lang="da-DK" dirty="0"/>
           </a:p>
@@ -3547,7 +3547,7 @@
           <a:p>
             <a:fld id="{F89CEA5E-8FF6-429F-9EFE-BB5E0A72E255}" type="datetimeFigureOut">
               <a:rPr lang="da-DK" smtClean="0"/>
-              <a:t>28-09-2011</a:t>
+              <a:t>29-09-2011</a:t>
             </a:fld>
             <a:endParaRPr lang="da-DK" dirty="0"/>
           </a:p>
@@ -3712,7 +3712,7 @@
           <a:p>
             <a:fld id="{F89CEA5E-8FF6-429F-9EFE-BB5E0A72E255}" type="datetimeFigureOut">
               <a:rPr lang="da-DK" smtClean="0"/>
-              <a:t>28-09-2011</a:t>
+              <a:t>29-09-2011</a:t>
             </a:fld>
             <a:endParaRPr lang="da-DK" dirty="0"/>
           </a:p>
@@ -3954,7 +3954,7 @@
           <a:p>
             <a:fld id="{F89CEA5E-8FF6-429F-9EFE-BB5E0A72E255}" type="datetimeFigureOut">
               <a:rPr lang="da-DK" smtClean="0"/>
-              <a:t>28-09-2011</a:t>
+              <a:t>29-09-2011</a:t>
             </a:fld>
             <a:endParaRPr lang="da-DK" dirty="0"/>
           </a:p>
@@ -4218,7 +4218,7 @@
           <a:p>
             <a:fld id="{F89CEA5E-8FF6-429F-9EFE-BB5E0A72E255}" type="datetimeFigureOut">
               <a:rPr lang="da-DK" smtClean="0"/>
-              <a:t>28-09-2011</a:t>
+              <a:t>29-09-2011</a:t>
             </a:fld>
             <a:endParaRPr lang="da-DK" dirty="0"/>
           </a:p>
@@ -4596,7 +4596,7 @@
           <a:p>
             <a:fld id="{F89CEA5E-8FF6-429F-9EFE-BB5E0A72E255}" type="datetimeFigureOut">
               <a:rPr lang="da-DK" smtClean="0"/>
-              <a:t>28-09-2011</a:t>
+              <a:t>29-09-2011</a:t>
             </a:fld>
             <a:endParaRPr lang="da-DK" dirty="0"/>
           </a:p>
@@ -4746,7 +4746,7 @@
           <a:p>
             <a:fld id="{F89CEA5E-8FF6-429F-9EFE-BB5E0A72E255}" type="datetimeFigureOut">
               <a:rPr lang="da-DK" smtClean="0"/>
-              <a:t>28-09-2011</a:t>
+              <a:t>29-09-2011</a:t>
             </a:fld>
             <a:endParaRPr lang="da-DK" dirty="0"/>
           </a:p>
@@ -4836,7 +4836,7 @@
           <a:p>
             <a:fld id="{F89CEA5E-8FF6-429F-9EFE-BB5E0A72E255}" type="datetimeFigureOut">
               <a:rPr lang="da-DK" smtClean="0"/>
-              <a:t>28-09-2011</a:t>
+              <a:t>29-09-2011</a:t>
             </a:fld>
             <a:endParaRPr lang="da-DK" dirty="0"/>
           </a:p>
@@ -5027,7 +5027,7 @@
           <a:p>
             <a:fld id="{F89CEA5E-8FF6-429F-9EFE-BB5E0A72E255}" type="datetimeFigureOut">
               <a:rPr lang="da-DK" smtClean="0"/>
-              <a:t>28-09-2011</a:t>
+              <a:t>29-09-2011</a:t>
             </a:fld>
             <a:endParaRPr lang="da-DK" dirty="0"/>
           </a:p>
@@ -5301,7 +5301,7 @@
           <a:p>
             <a:fld id="{F89CEA5E-8FF6-429F-9EFE-BB5E0A72E255}" type="datetimeFigureOut">
               <a:rPr lang="da-DK" smtClean="0"/>
-              <a:t>28-09-2011</a:t>
+              <a:t>29-09-2011</a:t>
             </a:fld>
             <a:endParaRPr lang="da-DK" dirty="0"/>
           </a:p>
@@ -5589,7 +5589,7 @@
           <a:p>
             <a:fld id="{F89CEA5E-8FF6-429F-9EFE-BB5E0A72E255}" type="datetimeFigureOut">
               <a:rPr lang="da-DK" smtClean="0"/>
-              <a:t>28-09-2011</a:t>
+              <a:t>29-09-2011</a:t>
             </a:fld>
             <a:endParaRPr lang="da-DK" dirty="0"/>
           </a:p>
@@ -6061,7 +6061,7 @@
           <a:p>
             <a:fld id="{F89CEA5E-8FF6-429F-9EFE-BB5E0A72E255}" type="datetimeFigureOut">
               <a:rPr lang="da-DK" smtClean="0"/>
-              <a:t>28-09-2011</a:t>
+              <a:t>29-09-2011</a:t>
             </a:fld>
             <a:endParaRPr lang="da-DK" dirty="0"/>
           </a:p>
@@ -6236,7 +6236,7 @@
           <a:p>
             <a:fld id="{F89CEA5E-8FF6-429F-9EFE-BB5E0A72E255}" type="datetimeFigureOut">
               <a:rPr lang="da-DK" smtClean="0"/>
-              <a:t>28-09-2011</a:t>
+              <a:t>29-09-2011</a:t>
             </a:fld>
             <a:endParaRPr lang="da-DK" dirty="0"/>
           </a:p>
@@ -6523,7 +6523,7 @@
           <a:p>
             <a:fld id="{F89CEA5E-8FF6-429F-9EFE-BB5E0A72E255}" type="datetimeFigureOut">
               <a:rPr lang="da-DK" smtClean="0"/>
-              <a:t>28-09-2011</a:t>
+              <a:t>29-09-2011</a:t>
             </a:fld>
             <a:endParaRPr lang="da-DK" dirty="0"/>
           </a:p>
@@ -6962,7 +6962,7 @@
           <a:p>
             <a:fld id="{F89CEA5E-8FF6-429F-9EFE-BB5E0A72E255}" type="datetimeFigureOut">
               <a:rPr lang="da-DK" smtClean="0"/>
-              <a:t>28-09-2011</a:t>
+              <a:t>29-09-2011</a:t>
             </a:fld>
             <a:endParaRPr lang="da-DK" dirty="0"/>
           </a:p>
@@ -7092,7 +7092,7 @@
           <a:p>
             <a:fld id="{F89CEA5E-8FF6-429F-9EFE-BB5E0A72E255}" type="datetimeFigureOut">
               <a:rPr lang="da-DK" smtClean="0"/>
-              <a:t>28-09-2011</a:t>
+              <a:t>29-09-2011</a:t>
             </a:fld>
             <a:endParaRPr lang="da-DK" dirty="0"/>
           </a:p>
@@ -7199,7 +7199,7 @@
           <a:p>
             <a:fld id="{F89CEA5E-8FF6-429F-9EFE-BB5E0A72E255}" type="datetimeFigureOut">
               <a:rPr lang="da-DK" smtClean="0"/>
-              <a:t>28-09-2011</a:t>
+              <a:t>29-09-2011</a:t>
             </a:fld>
             <a:endParaRPr lang="da-DK" dirty="0"/>
           </a:p>
@@ -7488,7 +7488,7 @@
           <a:p>
             <a:fld id="{F89CEA5E-8FF6-429F-9EFE-BB5E0A72E255}" type="datetimeFigureOut">
               <a:rPr lang="da-DK" smtClean="0"/>
-              <a:t>28-09-2011</a:t>
+              <a:t>29-09-2011</a:t>
             </a:fld>
             <a:endParaRPr lang="da-DK" dirty="0"/>
           </a:p>
@@ -7757,7 +7757,7 @@
           <a:p>
             <a:fld id="{F89CEA5E-8FF6-429F-9EFE-BB5E0A72E255}" type="datetimeFigureOut">
               <a:rPr lang="da-DK" smtClean="0"/>
-              <a:t>28-09-2011</a:t>
+              <a:t>29-09-2011</a:t>
             </a:fld>
             <a:endParaRPr lang="da-DK" dirty="0"/>
           </a:p>
@@ -8093,7 +8093,7 @@
           <a:p>
             <a:fld id="{F89CEA5E-8FF6-429F-9EFE-BB5E0A72E255}" type="datetimeFigureOut">
               <a:rPr lang="da-DK" smtClean="0"/>
-              <a:t>28-09-2011</a:t>
+              <a:t>29-09-2011</a:t>
             </a:fld>
             <a:endParaRPr lang="da-DK" dirty="0"/>
           </a:p>
@@ -9990,7 +9990,7 @@
           <a:p>
             <a:fld id="{F89CEA5E-8FF6-429F-9EFE-BB5E0A72E255}" type="datetimeFigureOut">
               <a:rPr lang="da-DK" smtClean="0"/>
-              <a:t>28-09-2011</a:t>
+              <a:t>29-09-2011</a:t>
             </a:fld>
             <a:endParaRPr lang="da-DK" dirty="0"/>
           </a:p>
@@ -10663,67 +10663,35 @@
               <a:rPr lang="en-US" dirty="0" smtClean="0"/>
               <a:t>Christian Jødal O’Keeffe, </a:t>
             </a:r>
-            <a:endParaRPr lang="en-US" dirty="0" smtClean="0"/>
           </a:p>
           <a:p>
             <a:r>
               <a:rPr lang="en-US" dirty="0" smtClean="0"/>
-              <a:t>Nicolai </a:t>
-            </a:r>
+              <a:t>Nicolai Kjær Skovhus, </a:t>
+            </a:r>
+          </a:p>
+          <a:p>
             <a:r>
               <a:rPr lang="en-US" dirty="0" smtClean="0"/>
-              <a:t>Kjær Skovhus, </a:t>
-            </a:r>
-            <a:endParaRPr lang="en-US" dirty="0" smtClean="0"/>
+              <a:t>Dag Toft Børresen Pedersen, </a:t>
+            </a:r>
           </a:p>
           <a:p>
             <a:r>
               <a:rPr lang="en-US" dirty="0" smtClean="0"/>
-              <a:t>Dag </a:t>
-            </a:r>
+              <a:t>Stefan Mathias Holst Christiansen, </a:t>
+            </a:r>
+          </a:p>
+          <a:p>
             <a:r>
               <a:rPr lang="en-US" dirty="0" smtClean="0"/>
-              <a:t>Toft Børresen Pedersen, </a:t>
-            </a:r>
-            <a:endParaRPr lang="en-US" dirty="0" smtClean="0"/>
+              <a:t>Thais Alexander Jones,  </a:t>
+            </a:r>
           </a:p>
           <a:p>
             <a:r>
               <a:rPr lang="en-US" dirty="0" smtClean="0"/>
-              <a:t>Stefan </a:t>
-            </a:r>
-            <a:r>
-              <a:rPr lang="en-US" dirty="0" smtClean="0"/>
-              <a:t>Mathias Holst Christiansen, </a:t>
-            </a:r>
-            <a:endParaRPr lang="en-US" dirty="0" smtClean="0"/>
-          </a:p>
-          <a:p>
-            <a:r>
-              <a:rPr lang="en-US" dirty="0" smtClean="0"/>
-              <a:t>Thais </a:t>
-            </a:r>
-            <a:r>
-              <a:rPr lang="en-US" dirty="0" smtClean="0"/>
-              <a:t>Alexander Jones, </a:t>
-            </a:r>
-            <a:r>
-              <a:rPr lang="en-US" dirty="0" smtClean="0"/>
-              <a:t> </a:t>
-            </a:r>
-          </a:p>
-          <a:p>
-            <a:r>
-              <a:rPr lang="en-US" dirty="0" smtClean="0"/>
-              <a:t>and Rasmus </a:t>
-            </a:r>
-            <a:r>
-              <a:rPr lang="en-US" dirty="0" smtClean="0"/>
-              <a:t>Fischer </a:t>
-            </a:r>
-            <a:r>
-              <a:rPr lang="en-US" dirty="0" smtClean="0"/>
-              <a:t>Gadensgaard</a:t>
+              <a:t>and Rasmus Fischer Gadensgaard</a:t>
             </a:r>
             <a:endParaRPr lang="en-US" dirty="0"/>
           </a:p>
@@ -11714,6 +11682,111 @@
           </a:p>
         </p:txBody>
       </p:sp>
+      <p:pic>
+        <p:nvPicPr>
+          <p:cNvPr id="1026" name="Picture 2"/>
+          <p:cNvPicPr>
+            <a:picLocks noChangeAspect="1" noChangeArrowheads="1"/>
+          </p:cNvPicPr>
+          <p:nvPr/>
+        </p:nvPicPr>
+        <p:blipFill>
+          <a:blip r:embed="rId2">
+            <a:extLst>
+              <a:ext uri="{28A0092B-C50C-407E-A947-70E740481C1C}">
+                <a14:useLocalDpi xmlns:a14="http://schemas.microsoft.com/office/drawing/2010/main" val="0"/>
+              </a:ext>
+            </a:extLst>
+          </a:blip>
+          <a:srcRect/>
+          <a:stretch>
+            <a:fillRect/>
+          </a:stretch>
+        </p:blipFill>
+        <p:spPr bwMode="auto">
+          <a:xfrm>
+            <a:off x="2148111" y="3068960"/>
+            <a:ext cx="4129859" cy="306513"/>
+          </a:xfrm>
+          <a:prstGeom prst="rect">
+            <a:avLst/>
+          </a:prstGeom>
+          <a:noFill/>
+          <a:ln>
+            <a:noFill/>
+          </a:ln>
+          <a:effectLst/>
+          <a:extLst>
+            <a:ext uri="{909E8E84-426E-40DD-AFC4-6F175D3DCCD1}">
+              <a14:hiddenFill xmlns:a14="http://schemas.microsoft.com/office/drawing/2010/main">
+                <a:solidFill>
+                  <a:schemeClr val="accent1"/>
+                </a:solidFill>
+              </a14:hiddenFill>
+            </a:ext>
+            <a:ext uri="{91240B29-F687-4F45-9708-019B960494DF}">
+              <a14:hiddenLine xmlns:a14="http://schemas.microsoft.com/office/drawing/2010/main" w="9525">
+                <a:solidFill>
+                  <a:schemeClr val="tx1"/>
+                </a:solidFill>
+                <a:miter lim="800000"/>
+                <a:headEnd/>
+                <a:tailEnd/>
+              </a14:hiddenLine>
+            </a:ext>
+            <a:ext uri="{AF507438-7753-43E0-B8FC-AC1667EBCBE1}">
+              <a14:hiddenEffects xmlns:a14="http://schemas.microsoft.com/office/drawing/2010/main">
+                <a:effectLst>
+                  <a:outerShdw dist="35921" dir="2700000" algn="ctr" rotWithShape="0">
+                    <a:schemeClr val="bg2"/>
+                  </a:outerShdw>
+                </a:effectLst>
+              </a14:hiddenEffects>
+            </a:ext>
+          </a:extLst>
+        </p:spPr>
+      </p:pic>
+      <p:pic>
+        <p:nvPicPr>
+          <p:cNvPr id="1028" name="Picture 4" descr="http://www.tvfoodmaps.com/images/android1_icon.png"/>
+          <p:cNvPicPr>
+            <a:picLocks noChangeAspect="1" noChangeArrowheads="1"/>
+          </p:cNvPicPr>
+          <p:nvPr/>
+        </p:nvPicPr>
+        <p:blipFill>
+          <a:blip r:embed="rId3">
+            <a:extLst>
+              <a:ext uri="{28A0092B-C50C-407E-A947-70E740481C1C}">
+                <a14:useLocalDpi xmlns:a14="http://schemas.microsoft.com/office/drawing/2010/main" val="0"/>
+              </a:ext>
+            </a:extLst>
+          </a:blip>
+          <a:srcRect/>
+          <a:stretch>
+            <a:fillRect/>
+          </a:stretch>
+        </p:blipFill>
+        <p:spPr bwMode="auto">
+          <a:xfrm>
+            <a:off x="3275856" y="4096249"/>
+            <a:ext cx="2160240" cy="2465359"/>
+          </a:xfrm>
+          <a:prstGeom prst="rect">
+            <a:avLst/>
+          </a:prstGeom>
+          <a:noFill/>
+          <a:extLst>
+            <a:ext uri="{909E8E84-426E-40DD-AFC4-6F175D3DCCD1}">
+              <a14:hiddenFill xmlns:a14="http://schemas.microsoft.com/office/drawing/2010/main">
+                <a:solidFill>
+                  <a:srgbClr val="FFFFFF"/>
+                </a:solidFill>
+              </a14:hiddenFill>
+            </a:ext>
+          </a:extLst>
+        </p:spPr>
+      </p:pic>
     </p:spTree>
     <p:extLst>
       <p:ext uri="{BB962C8B-B14F-4D97-AF65-F5344CB8AC3E}">

--- a/trunk/p0-uni/IMEI abuse on Android smartphones.pptx
+++ b/trunk/p0-uni/IMEI abuse on Android smartphones.pptx
@@ -247,7 +247,7 @@
           <a:p>
             <a:fld id="{F89CEA5E-8FF6-429F-9EFE-BB5E0A72E255}" type="datetimeFigureOut">
               <a:rPr lang="da-DK" smtClean="0"/>
-              <a:t>29-09-2011</a:t>
+              <a:t>30-09-2011</a:t>
             </a:fld>
             <a:endParaRPr lang="da-DK" dirty="0"/>
           </a:p>
@@ -424,7 +424,7 @@
           <a:p>
             <a:fld id="{F89CEA5E-8FF6-429F-9EFE-BB5E0A72E255}" type="datetimeFigureOut">
               <a:rPr lang="da-DK" smtClean="0"/>
-              <a:t>29-09-2011</a:t>
+              <a:t>30-09-2011</a:t>
             </a:fld>
             <a:endParaRPr lang="da-DK" dirty="0"/>
           </a:p>
@@ -616,7 +616,7 @@
           <a:p>
             <a:fld id="{F89CEA5E-8FF6-429F-9EFE-BB5E0A72E255}" type="datetimeFigureOut">
               <a:rPr lang="da-DK" smtClean="0"/>
-              <a:t>29-09-2011</a:t>
+              <a:t>30-09-2011</a:t>
             </a:fld>
             <a:endParaRPr lang="da-DK" dirty="0"/>
           </a:p>
@@ -2671,7 +2671,7 @@
           <a:p>
             <a:fld id="{F89CEA5E-8FF6-429F-9EFE-BB5E0A72E255}" type="datetimeFigureOut">
               <a:rPr lang="da-DK" smtClean="0"/>
-              <a:t>29-09-2011</a:t>
+              <a:t>30-09-2011</a:t>
             </a:fld>
             <a:endParaRPr lang="da-DK" dirty="0"/>
           </a:p>
@@ -3547,7 +3547,7 @@
           <a:p>
             <a:fld id="{F89CEA5E-8FF6-429F-9EFE-BB5E0A72E255}" type="datetimeFigureOut">
               <a:rPr lang="da-DK" smtClean="0"/>
-              <a:t>29-09-2011</a:t>
+              <a:t>30-09-2011</a:t>
             </a:fld>
             <a:endParaRPr lang="da-DK" dirty="0"/>
           </a:p>
@@ -3712,7 +3712,7 @@
           <a:p>
             <a:fld id="{F89CEA5E-8FF6-429F-9EFE-BB5E0A72E255}" type="datetimeFigureOut">
               <a:rPr lang="da-DK" smtClean="0"/>
-              <a:t>29-09-2011</a:t>
+              <a:t>30-09-2011</a:t>
             </a:fld>
             <a:endParaRPr lang="da-DK" dirty="0"/>
           </a:p>
@@ -3954,7 +3954,7 @@
           <a:p>
             <a:fld id="{F89CEA5E-8FF6-429F-9EFE-BB5E0A72E255}" type="datetimeFigureOut">
               <a:rPr lang="da-DK" smtClean="0"/>
-              <a:t>29-09-2011</a:t>
+              <a:t>30-09-2011</a:t>
             </a:fld>
             <a:endParaRPr lang="da-DK" dirty="0"/>
           </a:p>
@@ -4218,7 +4218,7 @@
           <a:p>
             <a:fld id="{F89CEA5E-8FF6-429F-9EFE-BB5E0A72E255}" type="datetimeFigureOut">
               <a:rPr lang="da-DK" smtClean="0"/>
-              <a:t>29-09-2011</a:t>
+              <a:t>30-09-2011</a:t>
             </a:fld>
             <a:endParaRPr lang="da-DK" dirty="0"/>
           </a:p>
@@ -4596,7 +4596,7 @@
           <a:p>
             <a:fld id="{F89CEA5E-8FF6-429F-9EFE-BB5E0A72E255}" type="datetimeFigureOut">
               <a:rPr lang="da-DK" smtClean="0"/>
-              <a:t>29-09-2011</a:t>
+              <a:t>30-09-2011</a:t>
             </a:fld>
             <a:endParaRPr lang="da-DK" dirty="0"/>
           </a:p>
@@ -4746,7 +4746,7 @@
           <a:p>
             <a:fld id="{F89CEA5E-8FF6-429F-9EFE-BB5E0A72E255}" type="datetimeFigureOut">
               <a:rPr lang="da-DK" smtClean="0"/>
-              <a:t>29-09-2011</a:t>
+              <a:t>30-09-2011</a:t>
             </a:fld>
             <a:endParaRPr lang="da-DK" dirty="0"/>
           </a:p>
@@ -4836,7 +4836,7 @@
           <a:p>
             <a:fld id="{F89CEA5E-8FF6-429F-9EFE-BB5E0A72E255}" type="datetimeFigureOut">
               <a:rPr lang="da-DK" smtClean="0"/>
-              <a:t>29-09-2011</a:t>
+              <a:t>30-09-2011</a:t>
             </a:fld>
             <a:endParaRPr lang="da-DK" dirty="0"/>
           </a:p>
@@ -5027,7 +5027,7 @@
           <a:p>
             <a:fld id="{F89CEA5E-8FF6-429F-9EFE-BB5E0A72E255}" type="datetimeFigureOut">
               <a:rPr lang="da-DK" smtClean="0"/>
-              <a:t>29-09-2011</a:t>
+              <a:t>30-09-2011</a:t>
             </a:fld>
             <a:endParaRPr lang="da-DK" dirty="0"/>
           </a:p>
@@ -5301,7 +5301,7 @@
           <a:p>
             <a:fld id="{F89CEA5E-8FF6-429F-9EFE-BB5E0A72E255}" type="datetimeFigureOut">
               <a:rPr lang="da-DK" smtClean="0"/>
-              <a:t>29-09-2011</a:t>
+              <a:t>30-09-2011</a:t>
             </a:fld>
             <a:endParaRPr lang="da-DK" dirty="0"/>
           </a:p>
@@ -5589,7 +5589,7 @@
           <a:p>
             <a:fld id="{F89CEA5E-8FF6-429F-9EFE-BB5E0A72E255}" type="datetimeFigureOut">
               <a:rPr lang="da-DK" smtClean="0"/>
-              <a:t>29-09-2011</a:t>
+              <a:t>30-09-2011</a:t>
             </a:fld>
             <a:endParaRPr lang="da-DK" dirty="0"/>
           </a:p>
@@ -6061,7 +6061,7 @@
           <a:p>
             <a:fld id="{F89CEA5E-8FF6-429F-9EFE-BB5E0A72E255}" type="datetimeFigureOut">
               <a:rPr lang="da-DK" smtClean="0"/>
-              <a:t>29-09-2011</a:t>
+              <a:t>30-09-2011</a:t>
             </a:fld>
             <a:endParaRPr lang="da-DK" dirty="0"/>
           </a:p>
@@ -6236,7 +6236,7 @@
           <a:p>
             <a:fld id="{F89CEA5E-8FF6-429F-9EFE-BB5E0A72E255}" type="datetimeFigureOut">
               <a:rPr lang="da-DK" smtClean="0"/>
-              <a:t>29-09-2011</a:t>
+              <a:t>30-09-2011</a:t>
             </a:fld>
             <a:endParaRPr lang="da-DK" dirty="0"/>
           </a:p>
@@ -6523,7 +6523,7 @@
           <a:p>
             <a:fld id="{F89CEA5E-8FF6-429F-9EFE-BB5E0A72E255}" type="datetimeFigureOut">
               <a:rPr lang="da-DK" smtClean="0"/>
-              <a:t>29-09-2011</a:t>
+              <a:t>30-09-2011</a:t>
             </a:fld>
             <a:endParaRPr lang="da-DK" dirty="0"/>
           </a:p>
@@ -6962,7 +6962,7 @@
           <a:p>
             <a:fld id="{F89CEA5E-8FF6-429F-9EFE-BB5E0A72E255}" type="datetimeFigureOut">
               <a:rPr lang="da-DK" smtClean="0"/>
-              <a:t>29-09-2011</a:t>
+              <a:t>30-09-2011</a:t>
             </a:fld>
             <a:endParaRPr lang="da-DK" dirty="0"/>
           </a:p>
@@ -7092,7 +7092,7 @@
           <a:p>
             <a:fld id="{F89CEA5E-8FF6-429F-9EFE-BB5E0A72E255}" type="datetimeFigureOut">
               <a:rPr lang="da-DK" smtClean="0"/>
-              <a:t>29-09-2011</a:t>
+              <a:t>30-09-2011</a:t>
             </a:fld>
             <a:endParaRPr lang="da-DK" dirty="0"/>
           </a:p>
@@ -7199,7 +7199,7 @@
           <a:p>
             <a:fld id="{F89CEA5E-8FF6-429F-9EFE-BB5E0A72E255}" type="datetimeFigureOut">
               <a:rPr lang="da-DK" smtClean="0"/>
-              <a:t>29-09-2011</a:t>
+              <a:t>30-09-2011</a:t>
             </a:fld>
             <a:endParaRPr lang="da-DK" dirty="0"/>
           </a:p>
@@ -7488,7 +7488,7 @@
           <a:p>
             <a:fld id="{F89CEA5E-8FF6-429F-9EFE-BB5E0A72E255}" type="datetimeFigureOut">
               <a:rPr lang="da-DK" smtClean="0"/>
-              <a:t>29-09-2011</a:t>
+              <a:t>30-09-2011</a:t>
             </a:fld>
             <a:endParaRPr lang="da-DK" dirty="0"/>
           </a:p>
@@ -7757,7 +7757,7 @@
           <a:p>
             <a:fld id="{F89CEA5E-8FF6-429F-9EFE-BB5E0A72E255}" type="datetimeFigureOut">
               <a:rPr lang="da-DK" smtClean="0"/>
-              <a:t>29-09-2011</a:t>
+              <a:t>30-09-2011</a:t>
             </a:fld>
             <a:endParaRPr lang="da-DK" dirty="0"/>
           </a:p>
@@ -8093,7 +8093,7 @@
           <a:p>
             <a:fld id="{F89CEA5E-8FF6-429F-9EFE-BB5E0A72E255}" type="datetimeFigureOut">
               <a:rPr lang="da-DK" smtClean="0"/>
-              <a:t>29-09-2011</a:t>
+              <a:t>30-09-2011</a:t>
             </a:fld>
             <a:endParaRPr lang="da-DK" dirty="0"/>
           </a:p>
@@ -9990,7 +9990,7 @@
           <a:p>
             <a:fld id="{F89CEA5E-8FF6-429F-9EFE-BB5E0A72E255}" type="datetimeFigureOut">
               <a:rPr lang="da-DK" smtClean="0"/>
-              <a:t>29-09-2011</a:t>
+              <a:t>30-09-2011</a:t>
             </a:fld>
             <a:endParaRPr lang="da-DK" dirty="0"/>
           </a:p>
@@ -11939,6 +11939,47 @@
           </a:p>
         </p:txBody>
       </p:sp>
+      <p:pic>
+        <p:nvPicPr>
+          <p:cNvPr id="1026" name="Picture 2" descr="http://www.cndigit.com/media/catalog/product/cache/1/image/5e06319eda06f020e43594a9c230972d/N/C/NCKIA_E71-3_GG.jpg"/>
+          <p:cNvPicPr>
+            <a:picLocks noChangeAspect="1" noChangeArrowheads="1"/>
+          </p:cNvPicPr>
+          <p:nvPr/>
+        </p:nvPicPr>
+        <p:blipFill>
+          <a:blip r:embed="rId2">
+            <a:extLst>
+              <a:ext uri="{28A0092B-C50C-407E-A947-70E740481C1C}">
+                <a14:useLocalDpi xmlns:a14="http://schemas.microsoft.com/office/drawing/2010/main" val="0"/>
+              </a:ext>
+            </a:extLst>
+          </a:blip>
+          <a:srcRect/>
+          <a:stretch>
+            <a:fillRect/>
+          </a:stretch>
+        </p:blipFill>
+        <p:spPr bwMode="auto">
+          <a:xfrm>
+            <a:off x="3851920" y="1844824"/>
+            <a:ext cx="4427984" cy="4427984"/>
+          </a:xfrm>
+          <a:prstGeom prst="rect">
+            <a:avLst/>
+          </a:prstGeom>
+          <a:noFill/>
+          <a:extLst>
+            <a:ext uri="{909E8E84-426E-40DD-AFC4-6F175D3DCCD1}">
+              <a14:hiddenFill xmlns:a14="http://schemas.microsoft.com/office/drawing/2010/main">
+                <a:solidFill>
+                  <a:srgbClr val="FFFFFF"/>
+                </a:solidFill>
+              </a14:hiddenFill>
+            </a:ext>
+          </a:extLst>
+        </p:spPr>
+      </p:pic>
     </p:spTree>
     <p:extLst>
       <p:ext uri="{BB962C8B-B14F-4D97-AF65-F5344CB8AC3E}">

--- a/trunk/p0-uni/IMEI abuse on Android smartphones.pptx
+++ b/trunk/p0-uni/IMEI abuse on Android smartphones.pptx
@@ -5,7 +5,7 @@
     <p:sldMasterId id="2147483708" r:id="rId1"/>
   </p:sldMasterIdLst>
   <p:notesMasterIdLst>
-    <p:notesMasterId r:id="rId14"/>
+    <p:notesMasterId r:id="rId15"/>
   </p:notesMasterIdLst>
   <p:sldIdLst>
     <p:sldId id="256" r:id="rId2"/>
@@ -20,6 +20,7 @@
     <p:sldId id="264" r:id="rId11"/>
     <p:sldId id="265" r:id="rId12"/>
     <p:sldId id="266" r:id="rId13"/>
+    <p:sldId id="269" r:id="rId14"/>
   </p:sldIdLst>
   <p:sldSz cx="9144000" cy="6858000" type="screen4x3"/>
   <p:notesSz cx="6858000" cy="9144000"/>
@@ -726,7 +727,7 @@
           <a:bodyPr/>
           <a:lstStyle/>
           <a:p>
-            <a:fld id="{DB4168CD-A5E4-48A6-9FFF-4E06B2E0D344}" type="datetime1">
+            <a:fld id="{F289884C-8CDF-48D4-9BB3-39B6366E3B6C}" type="datetime1">
               <a:rPr lang="da-DK" smtClean="0"/>
               <a:t>30-09-2011</a:t>
             </a:fld>
@@ -788,8 +789,9 @@
             </a:fld>
             <a:r>
               <a:rPr lang="da-DK" dirty="0" smtClean="0"/>
-              <a:t> of 12</a:t>
-            </a:r>
+              <a:t> of 13</a:t>
+            </a:r>
+            <a:endParaRPr lang="da-DK" dirty="0" smtClean="0"/>
           </a:p>
         </p:txBody>
       </p:sp>
@@ -915,7 +917,7 @@
           <a:bodyPr/>
           <a:lstStyle/>
           <a:p>
-            <a:fld id="{09D4BFDD-6233-46C2-8CAE-3B90CD830532}" type="datetime1">
+            <a:fld id="{C2BDD5BC-F5A3-4E45-8362-C9070E9E74B5}" type="datetime1">
               <a:rPr lang="da-DK" smtClean="0"/>
               <a:t>30-09-2011</a:t>
             </a:fld>
@@ -1101,7 +1103,7 @@
           <a:bodyPr/>
           <a:lstStyle/>
           <a:p>
-            <a:fld id="{CBE0377C-0FD2-4D00-BBB0-6A6CD1B0DB65}" type="datetime1">
+            <a:fld id="{494D2C17-245A-43D2-BF48-011BC51498EA}" type="datetime1">
               <a:rPr lang="da-DK" smtClean="0"/>
               <a:t>30-09-2011</a:t>
             </a:fld>
@@ -1277,7 +1279,7 @@
           <a:bodyPr/>
           <a:lstStyle/>
           <a:p>
-            <a:fld id="{CEC25A1A-1D4C-4C88-8980-9213D623B598}" type="datetime1">
+            <a:fld id="{DED4AC58-5C25-49CA-90D0-FADE986D0B4A}" type="datetime1">
               <a:rPr lang="da-DK" smtClean="0"/>
               <a:t>30-09-2011</a:t>
             </a:fld>
@@ -1339,7 +1341,7 @@
             </a:fld>
             <a:r>
               <a:rPr lang="da-DK" dirty="0" smtClean="0"/>
-              <a:t> of 12</a:t>
+              <a:t> of 13</a:t>
             </a:r>
             <a:endParaRPr lang="da-DK" dirty="0"/>
           </a:p>
@@ -1544,7 +1546,7 @@
           <a:bodyPr/>
           <a:lstStyle/>
           <a:p>
-            <a:fld id="{3D6DEC9F-4707-47C5-BD49-6CE4CC1A3115}" type="datetime1">
+            <a:fld id="{849B5BAE-2EA6-48C0-8C64-4C8BBF9A72B0}" type="datetime1">
               <a:rPr lang="da-DK" smtClean="0"/>
               <a:t>30-09-2011</a:t>
             </a:fld>
@@ -1819,7 +1821,7 @@
           <a:bodyPr/>
           <a:lstStyle/>
           <a:p>
-            <a:fld id="{B18B549B-A315-4CDC-967E-1858F163BA70}" type="datetime1">
+            <a:fld id="{9A1696AF-EEB0-4C62-B6A6-384AC5E7C4C2}" type="datetime1">
               <a:rPr lang="da-DK" smtClean="0"/>
               <a:t>30-09-2011</a:t>
             </a:fld>
@@ -2208,7 +2210,7 @@
           <a:bodyPr/>
           <a:lstStyle/>
           <a:p>
-            <a:fld id="{BDEEF5A3-2ABC-490C-8BA4-21FA00507596}" type="datetime1">
+            <a:fld id="{7AD8E219-42BB-47CE-AECE-69E5204E668A}" type="datetime1">
               <a:rPr lang="da-DK" smtClean="0"/>
               <a:t>30-09-2011</a:t>
             </a:fld>
@@ -2369,7 +2371,7 @@
           <a:bodyPr/>
           <a:lstStyle/>
           <a:p>
-            <a:fld id="{3751781E-EF85-46EF-9156-2AAB2CF09143}" type="datetime1">
+            <a:fld id="{73FF3A29-B2D7-4E04-A038-64F77CA6B7D5}" type="datetime1">
               <a:rPr lang="da-DK" smtClean="0"/>
               <a:t>30-09-2011</a:t>
             </a:fld>
@@ -2470,7 +2472,7 @@
           <a:bodyPr/>
           <a:lstStyle/>
           <a:p>
-            <a:fld id="{5A252758-B90E-43BA-9BB4-AAB88198F643}" type="datetime1">
+            <a:fld id="{38C7A64C-0ACB-4CCE-861D-58F3117F6BF1}" type="datetime1">
               <a:rPr lang="da-DK" smtClean="0"/>
               <a:t>30-09-2011</a:t>
             </a:fld>
@@ -2742,7 +2744,7 @@
           <a:bodyPr/>
           <a:lstStyle/>
           <a:p>
-            <a:fld id="{D72AEBF2-ADD8-49DB-A106-23B17F6976A5}" type="datetime1">
+            <a:fld id="{C74A76AA-FF49-4003-A128-5A50E8AF23BC}" type="datetime1">
               <a:rPr lang="da-DK" smtClean="0"/>
               <a:t>30-09-2011</a:t>
             </a:fld>
@@ -3041,7 +3043,7 @@
           <a:bodyPr/>
           <a:lstStyle/>
           <a:p>
-            <a:fld id="{D472D357-7CD5-4757-BAAB-F8615F001921}" type="datetime1">
+            <a:fld id="{663C394E-523B-470C-84D4-EE48581E94B2}" type="datetime1">
               <a:rPr lang="da-DK" smtClean="0"/>
               <a:t>30-09-2011</a:t>
             </a:fld>
@@ -3823,7 +3825,7 @@
             </a:lvl1pPr>
           </a:lstStyle>
           <a:p>
-            <a:fld id="{D6A80455-B0D5-410C-9DC7-3D3072E6DA39}" type="datetime1">
+            <a:fld id="{109C12B9-B80C-4ADD-958C-479565F84AC6}" type="datetime1">
               <a:rPr lang="da-DK" smtClean="0"/>
               <a:t>30-09-2011</a:t>
             </a:fld>
@@ -3916,7 +3918,7 @@
             </a:fld>
             <a:r>
               <a:rPr lang="da-DK" dirty="0" smtClean="0"/>
-              <a:t> of 12</a:t>
+              <a:t> of 13</a:t>
             </a:r>
             <a:endParaRPr lang="da-DK" dirty="0"/>
           </a:p>
@@ -4555,7 +4557,7 @@
       </p:sp>
       <p:sp>
         <p:nvSpPr>
-          <p:cNvPr id="8" name="Pladsholder til diasnummer 7"/>
+          <p:cNvPr id="4" name="Pladsholder til diasnummer 3"/>
           <p:cNvSpPr>
             <a:spLocks noGrp="1"/>
           </p:cNvSpPr>
@@ -4579,7 +4581,7 @@
             </a:fld>
             <a:r>
               <a:rPr lang="da-DK" smtClean="0"/>
-              <a:t> of 12</a:t>
+              <a:t> of 13</a:t>
             </a:r>
             <a:endParaRPr lang="da-DK" dirty="0" smtClean="0"/>
           </a:p>
@@ -4696,7 +4698,7 @@
       </p:sp>
       <p:sp>
         <p:nvSpPr>
-          <p:cNvPr id="8" name="Pladsholder til diasnummer 7"/>
+          <p:cNvPr id="4" name="Pladsholder til diasnummer 3"/>
           <p:cNvSpPr>
             <a:spLocks noGrp="1"/>
           </p:cNvSpPr>
@@ -4720,7 +4722,7 @@
             </a:fld>
             <a:r>
               <a:rPr lang="da-DK" smtClean="0"/>
-              <a:t> of 12</a:t>
+              <a:t> of 13</a:t>
             </a:r>
             <a:endParaRPr lang="da-DK" dirty="0"/>
           </a:p>
@@ -4858,7 +4860,7 @@
       </p:sp>
       <p:sp>
         <p:nvSpPr>
-          <p:cNvPr id="8" name="Pladsholder til diasnummer 7"/>
+          <p:cNvPr id="4" name="Pladsholder til diasnummer 3"/>
           <p:cNvSpPr>
             <a:spLocks noGrp="1"/>
           </p:cNvSpPr>
@@ -4882,7 +4884,7 @@
             </a:fld>
             <a:r>
               <a:rPr lang="da-DK" smtClean="0"/>
-              <a:t> of 12</a:t>
+              <a:t> of 13</a:t>
             </a:r>
             <a:endParaRPr lang="da-DK" dirty="0"/>
           </a:p>
@@ -5268,7 +5270,7 @@
       </p:graphicFrame>
       <p:sp>
         <p:nvSpPr>
-          <p:cNvPr id="8" name="Pladsholder til diasnummer 7"/>
+          <p:cNvPr id="3" name="Pladsholder til diasnummer 2"/>
           <p:cNvSpPr>
             <a:spLocks noGrp="1"/>
           </p:cNvSpPr>
@@ -5292,7 +5294,7 @@
             </a:fld>
             <a:r>
               <a:rPr lang="da-DK" smtClean="0"/>
-              <a:t> of 12</a:t>
+              <a:t> of 13</a:t>
             </a:r>
             <a:endParaRPr lang="da-DK" dirty="0"/>
           </a:p>
@@ -5302,6 +5304,117 @@
     <p:extLst>
       <p:ext uri="{BB962C8B-B14F-4D97-AF65-F5344CB8AC3E}">
         <p14:creationId xmlns:p14="http://schemas.microsoft.com/office/powerpoint/2010/main" val="1868469641"/>
+      </p:ext>
+    </p:extLst>
+  </p:cSld>
+  <p:clrMapOvr>
+    <a:masterClrMapping/>
+  </p:clrMapOvr>
+  <p:timing>
+    <p:tnLst>
+      <p:par>
+        <p:cTn id="1" dur="indefinite" restart="never" nodeType="tmRoot"/>
+      </p:par>
+    </p:tnLst>
+  </p:timing>
+</p:sld>
+</file>
+
+<file path=ppt/slides/slide13.xml><?xml version="1.0" encoding="utf-8"?>
+<p:sld xmlns:a="http://schemas.openxmlformats.org/drawingml/2006/main" xmlns:r="http://schemas.openxmlformats.org/officeDocument/2006/relationships" xmlns:p="http://schemas.openxmlformats.org/presentationml/2006/main">
+  <p:cSld>
+    <p:spTree>
+      <p:nvGrpSpPr>
+        <p:cNvPr id="1" name=""/>
+        <p:cNvGrpSpPr/>
+        <p:nvPr/>
+      </p:nvGrpSpPr>
+      <p:grpSpPr>
+        <a:xfrm>
+          <a:off x="0" y="0"/>
+          <a:ext cx="0" cy="0"/>
+          <a:chOff x="0" y="0"/>
+          <a:chExt cx="0" cy="0"/>
+        </a:xfrm>
+      </p:grpSpPr>
+      <p:sp>
+        <p:nvSpPr>
+          <p:cNvPr id="2" name="Titel 1"/>
+          <p:cNvSpPr>
+            <a:spLocks noGrp="1"/>
+          </p:cNvSpPr>
+          <p:nvPr>
+            <p:ph type="title"/>
+          </p:nvPr>
+        </p:nvSpPr>
+        <p:spPr/>
+        <p:txBody>
+          <a:bodyPr/>
+          <a:lstStyle/>
+          <a:p>
+            <a:r>
+              <a:rPr lang="en-US" dirty="0" smtClean="0"/>
+              <a:t>Questions?</a:t>
+            </a:r>
+            <a:endParaRPr lang="en-US" dirty="0"/>
+          </a:p>
+        </p:txBody>
+      </p:sp>
+      <p:sp>
+        <p:nvSpPr>
+          <p:cNvPr id="3" name="Pladsholder til indhold 2"/>
+          <p:cNvSpPr>
+            <a:spLocks noGrp="1"/>
+          </p:cNvSpPr>
+          <p:nvPr>
+            <p:ph idx="1"/>
+          </p:nvPr>
+        </p:nvSpPr>
+        <p:spPr/>
+        <p:txBody>
+          <a:bodyPr/>
+          <a:lstStyle/>
+          <a:p>
+            <a:endParaRPr lang="da-DK" dirty="0"/>
+          </a:p>
+        </p:txBody>
+      </p:sp>
+      <p:sp>
+        <p:nvSpPr>
+          <p:cNvPr id="5" name="Pladsholder til diasnummer 4"/>
+          <p:cNvSpPr>
+            <a:spLocks noGrp="1"/>
+          </p:cNvSpPr>
+          <p:nvPr>
+            <p:ph type="sldNum" sz="quarter" idx="12"/>
+          </p:nvPr>
+        </p:nvSpPr>
+        <p:spPr/>
+        <p:txBody>
+          <a:bodyPr/>
+          <a:lstStyle/>
+          <a:p>
+            <a:r>
+              <a:rPr lang="da-DK" smtClean="0"/>
+              <a:t>Page </a:t>
+            </a:r>
+            <a:fld id="{BE4B816E-1AF4-4AA2-B23D-5CFB58736386}" type="slidenum">
+              <a:rPr lang="da-DK" smtClean="0"/>
+              <a:pPr/>
+              <a:t>13</a:t>
+            </a:fld>
+            <a:r>
+              <a:rPr lang="da-DK" smtClean="0"/>
+              <a:t> of 13</a:t>
+            </a:r>
+            <a:endParaRPr lang="da-DK" dirty="0"/>
+          </a:p>
+        </p:txBody>
+      </p:sp>
+    </p:spTree>
+    <p:extLst>
+      <p:ext uri="{BB962C8B-B14F-4D97-AF65-F5344CB8AC3E}">
+        <p14:creationId xmlns:p14="http://schemas.microsoft.com/office/powerpoint/2010/main" val="2193316539"/>
       </p:ext>
     </p:extLst>
   </p:cSld>
@@ -5430,7 +5543,7 @@
       </p:sp>
       <p:sp>
         <p:nvSpPr>
-          <p:cNvPr id="8" name="Pladsholder til diasnummer 7"/>
+          <p:cNvPr id="4" name="Pladsholder til diasnummer 3"/>
           <p:cNvSpPr>
             <a:spLocks noGrp="1"/>
           </p:cNvSpPr>
@@ -5454,7 +5567,7 @@
             </a:fld>
             <a:r>
               <a:rPr lang="da-DK" smtClean="0"/>
-              <a:t> of 12</a:t>
+              <a:t> of 13</a:t>
             </a:r>
             <a:endParaRPr lang="da-DK" dirty="0"/>
           </a:p>
@@ -5602,7 +5715,7 @@
       </p:sp>
       <p:sp>
         <p:nvSpPr>
-          <p:cNvPr id="8" name="Pladsholder til diasnummer 7"/>
+          <p:cNvPr id="4" name="Pladsholder til diasnummer 3"/>
           <p:cNvSpPr>
             <a:spLocks noGrp="1"/>
           </p:cNvSpPr>
@@ -5626,7 +5739,7 @@
             </a:fld>
             <a:r>
               <a:rPr lang="da-DK" smtClean="0"/>
-              <a:t> of 12</a:t>
+              <a:t> of 13</a:t>
             </a:r>
             <a:endParaRPr lang="da-DK" dirty="0"/>
           </a:p>
@@ -5837,7 +5950,7 @@
       </p:pic>
       <p:sp>
         <p:nvSpPr>
-          <p:cNvPr id="8" name="Pladsholder til diasnummer 7"/>
+          <p:cNvPr id="4" name="Pladsholder til diasnummer 3"/>
           <p:cNvSpPr>
             <a:spLocks noGrp="1"/>
           </p:cNvSpPr>
@@ -5861,7 +5974,7 @@
             </a:fld>
             <a:r>
               <a:rPr lang="da-DK" smtClean="0"/>
-              <a:t> of 12</a:t>
+              <a:t> of 13</a:t>
             </a:r>
             <a:endParaRPr lang="da-DK" dirty="0"/>
           </a:p>
@@ -6062,7 +6175,7 @@
       </p:pic>
       <p:sp>
         <p:nvSpPr>
-          <p:cNvPr id="8" name="Pladsholder til diasnummer 7"/>
+          <p:cNvPr id="4" name="Pladsholder til diasnummer 3"/>
           <p:cNvSpPr>
             <a:spLocks noGrp="1"/>
           </p:cNvSpPr>
@@ -6086,7 +6199,7 @@
             </a:fld>
             <a:r>
               <a:rPr lang="da-DK" smtClean="0"/>
-              <a:t> of 12</a:t>
+              <a:t> of 13</a:t>
             </a:r>
             <a:endParaRPr lang="da-DK" dirty="0"/>
           </a:p>
@@ -6215,7 +6328,7 @@
       </p:sp>
       <p:sp>
         <p:nvSpPr>
-          <p:cNvPr id="8" name="Pladsholder til diasnummer 7"/>
+          <p:cNvPr id="4" name="Pladsholder til diasnummer 3"/>
           <p:cNvSpPr>
             <a:spLocks noGrp="1"/>
           </p:cNvSpPr>
@@ -6239,7 +6352,7 @@
             </a:fld>
             <a:r>
               <a:rPr lang="da-DK" smtClean="0"/>
-              <a:t> of 12</a:t>
+              <a:t> of 13</a:t>
             </a:r>
             <a:endParaRPr lang="da-DK" dirty="0"/>
           </a:p>
@@ -6393,7 +6506,7 @@
       </p:sp>
       <p:sp>
         <p:nvSpPr>
-          <p:cNvPr id="8" name="Pladsholder til diasnummer 7"/>
+          <p:cNvPr id="4" name="Pladsholder til diasnummer 3"/>
           <p:cNvSpPr>
             <a:spLocks noGrp="1"/>
           </p:cNvSpPr>
@@ -6417,7 +6530,7 @@
             </a:fld>
             <a:r>
               <a:rPr lang="da-DK" smtClean="0"/>
-              <a:t> of 12</a:t>
+              <a:t> of 13</a:t>
             </a:r>
             <a:endParaRPr lang="da-DK" dirty="0"/>
           </a:p>
@@ -6552,7 +6665,7 @@
       </p:sp>
       <p:sp>
         <p:nvSpPr>
-          <p:cNvPr id="8" name="Pladsholder til diasnummer 7"/>
+          <p:cNvPr id="4" name="Pladsholder til diasnummer 3"/>
           <p:cNvSpPr>
             <a:spLocks noGrp="1"/>
           </p:cNvSpPr>
@@ -6576,7 +6689,7 @@
             </a:fld>
             <a:r>
               <a:rPr lang="da-DK" smtClean="0"/>
-              <a:t> of 12</a:t>
+              <a:t> of 13</a:t>
             </a:r>
             <a:endParaRPr lang="da-DK" dirty="0"/>
           </a:p>
@@ -6723,7 +6836,7 @@
       </p:sp>
       <p:sp>
         <p:nvSpPr>
-          <p:cNvPr id="8" name="Pladsholder til diasnummer 7"/>
+          <p:cNvPr id="4" name="Pladsholder til diasnummer 3"/>
           <p:cNvSpPr>
             <a:spLocks noGrp="1"/>
           </p:cNvSpPr>
@@ -6747,7 +6860,7 @@
             </a:fld>
             <a:r>
               <a:rPr lang="da-DK" smtClean="0"/>
-              <a:t> of 12</a:t>
+              <a:t> of 13</a:t>
             </a:r>
             <a:endParaRPr lang="da-DK" dirty="0"/>
           </a:p>

--- a/trunk/p0-uni/IMEI abuse on Android smartphones.pptx
+++ b/trunk/p0-uni/IMEI abuse on Android smartphones.pptx
@@ -727,7 +727,7 @@
           <a:bodyPr/>
           <a:lstStyle/>
           <a:p>
-            <a:fld id="{F289884C-8CDF-48D4-9BB3-39B6366E3B6C}" type="datetime1">
+            <a:fld id="{1C69B823-0D52-4C51-BF2B-CF1707B17E2E}" type="datetime1">
               <a:rPr lang="da-DK" smtClean="0"/>
               <a:t>30-09-2011</a:t>
             </a:fld>
@@ -791,7 +791,6 @@
               <a:rPr lang="da-DK" dirty="0" smtClean="0"/>
               <a:t> of 13</a:t>
             </a:r>
-            <a:endParaRPr lang="da-DK" dirty="0" smtClean="0"/>
           </a:p>
         </p:txBody>
       </p:sp>
@@ -917,7 +916,7 @@
           <a:bodyPr/>
           <a:lstStyle/>
           <a:p>
-            <a:fld id="{C2BDD5BC-F5A3-4E45-8362-C9070E9E74B5}" type="datetime1">
+            <a:fld id="{C30EAD0D-7BB2-46A4-BB68-26353A5697B1}" type="datetime1">
               <a:rPr lang="da-DK" smtClean="0"/>
               <a:t>30-09-2011</a:t>
             </a:fld>
@@ -1103,7 +1102,7 @@
           <a:bodyPr/>
           <a:lstStyle/>
           <a:p>
-            <a:fld id="{494D2C17-245A-43D2-BF48-011BC51498EA}" type="datetime1">
+            <a:fld id="{49691BB0-9454-433C-9606-A690E4F818EE}" type="datetime1">
               <a:rPr lang="da-DK" smtClean="0"/>
               <a:t>30-09-2011</a:t>
             </a:fld>
@@ -1279,7 +1278,7 @@
           <a:bodyPr/>
           <a:lstStyle/>
           <a:p>
-            <a:fld id="{DED4AC58-5C25-49CA-90D0-FADE986D0B4A}" type="datetime1">
+            <a:fld id="{A968272C-E615-467B-B24A-541882D7F507}" type="datetime1">
               <a:rPr lang="da-DK" smtClean="0"/>
               <a:t>30-09-2011</a:t>
             </a:fld>
@@ -1322,13 +1321,17 @@
         </p:nvSpPr>
         <p:spPr>
           <a:xfrm>
-            <a:off x="7308304" y="6356350"/>
-            <a:ext cx="1378496" cy="365125"/>
+            <a:off x="6732240" y="6356350"/>
+            <a:ext cx="1954560" cy="365125"/>
           </a:xfrm>
         </p:spPr>
         <p:txBody>
           <a:bodyPr/>
-          <a:lstStyle/>
+          <a:lstStyle>
+            <a:lvl1pPr>
+              <a:defRPr sz="1800"/>
+            </a:lvl1pPr>
+          </a:lstStyle>
           <a:p>
             <a:r>
               <a:rPr lang="da-DK" dirty="0" smtClean="0"/>
@@ -1546,7 +1549,7 @@
           <a:bodyPr/>
           <a:lstStyle/>
           <a:p>
-            <a:fld id="{849B5BAE-2EA6-48C0-8C64-4C8BBF9A72B0}" type="datetime1">
+            <a:fld id="{0B2DB57D-1F8D-4D14-A58C-2D8112D15C3A}" type="datetime1">
               <a:rPr lang="da-DK" smtClean="0"/>
               <a:t>30-09-2011</a:t>
             </a:fld>
@@ -1821,7 +1824,7 @@
           <a:bodyPr/>
           <a:lstStyle/>
           <a:p>
-            <a:fld id="{9A1696AF-EEB0-4C62-B6A6-384AC5E7C4C2}" type="datetime1">
+            <a:fld id="{0873A7BB-6085-4339-908E-7DEBE16CA45E}" type="datetime1">
               <a:rPr lang="da-DK" smtClean="0"/>
               <a:t>30-09-2011</a:t>
             </a:fld>
@@ -2210,7 +2213,7 @@
           <a:bodyPr/>
           <a:lstStyle/>
           <a:p>
-            <a:fld id="{7AD8E219-42BB-47CE-AECE-69E5204E668A}" type="datetime1">
+            <a:fld id="{1AED807C-037B-4ACD-B881-3FB0C203C935}" type="datetime1">
               <a:rPr lang="da-DK" smtClean="0"/>
               <a:t>30-09-2011</a:t>
             </a:fld>
@@ -2371,7 +2374,7 @@
           <a:bodyPr/>
           <a:lstStyle/>
           <a:p>
-            <a:fld id="{73FF3A29-B2D7-4E04-A038-64F77CA6B7D5}" type="datetime1">
+            <a:fld id="{FE555301-5332-48C2-804C-39CCA0036F15}" type="datetime1">
               <a:rPr lang="da-DK" smtClean="0"/>
               <a:t>30-09-2011</a:t>
             </a:fld>
@@ -2472,7 +2475,7 @@
           <a:bodyPr/>
           <a:lstStyle/>
           <a:p>
-            <a:fld id="{38C7A64C-0ACB-4CCE-861D-58F3117F6BF1}" type="datetime1">
+            <a:fld id="{F22CD98A-B151-4EB2-BF6F-C28F3D6536A0}" type="datetime1">
               <a:rPr lang="da-DK" smtClean="0"/>
               <a:t>30-09-2011</a:t>
             </a:fld>
@@ -2744,7 +2747,7 @@
           <a:bodyPr/>
           <a:lstStyle/>
           <a:p>
-            <a:fld id="{C74A76AA-FF49-4003-A128-5A50E8AF23BC}" type="datetime1">
+            <a:fld id="{AA1A9C6B-FE8D-499F-99BF-F16440501BB7}" type="datetime1">
               <a:rPr lang="da-DK" smtClean="0"/>
               <a:t>30-09-2011</a:t>
             </a:fld>
@@ -3043,7 +3046,7 @@
           <a:bodyPr/>
           <a:lstStyle/>
           <a:p>
-            <a:fld id="{663C394E-523B-470C-84D4-EE48581E94B2}" type="datetime1">
+            <a:fld id="{2FC8D4D6-F3D5-4CA6-B784-DF8AD6B6E430}" type="datetime1">
               <a:rPr lang="da-DK" smtClean="0"/>
               <a:t>30-09-2011</a:t>
             </a:fld>
@@ -3825,7 +3828,7 @@
             </a:lvl1pPr>
           </a:lstStyle>
           <a:p>
-            <a:fld id="{109C12B9-B80C-4ADD-958C-479565F84AC6}" type="datetime1">
+            <a:fld id="{C37C7C13-5C4C-4D82-948A-D4340B66E2ED}" type="datetime1">
               <a:rPr lang="da-DK" smtClean="0"/>
               <a:t>30-09-2011</a:t>
             </a:fld>
@@ -4557,7 +4560,7 @@
       </p:sp>
       <p:sp>
         <p:nvSpPr>
-          <p:cNvPr id="4" name="Pladsholder til diasnummer 3"/>
+          <p:cNvPr id="5" name="Pladsholder til diasnummer 4"/>
           <p:cNvSpPr>
             <a:spLocks noGrp="1"/>
           </p:cNvSpPr>
@@ -4698,7 +4701,7 @@
       </p:sp>
       <p:sp>
         <p:nvSpPr>
-          <p:cNvPr id="4" name="Pladsholder til diasnummer 3"/>
+          <p:cNvPr id="5" name="Pladsholder til diasnummer 4"/>
           <p:cNvSpPr>
             <a:spLocks noGrp="1"/>
           </p:cNvSpPr>
@@ -4860,7 +4863,7 @@
       </p:sp>
       <p:sp>
         <p:nvSpPr>
-          <p:cNvPr id="4" name="Pladsholder til diasnummer 3"/>
+          <p:cNvPr id="5" name="Pladsholder til diasnummer 4"/>
           <p:cNvSpPr>
             <a:spLocks noGrp="1"/>
           </p:cNvSpPr>
@@ -5270,7 +5273,7 @@
       </p:graphicFrame>
       <p:sp>
         <p:nvSpPr>
-          <p:cNvPr id="3" name="Pladsholder til diasnummer 2"/>
+          <p:cNvPr id="4" name="Pladsholder til diasnummer 3"/>
           <p:cNvSpPr>
             <a:spLocks noGrp="1"/>
           </p:cNvSpPr>
@@ -5381,7 +5384,7 @@
       </p:sp>
       <p:sp>
         <p:nvSpPr>
-          <p:cNvPr id="5" name="Pladsholder til diasnummer 4"/>
+          <p:cNvPr id="4" name="Pladsholder til diasnummer 3"/>
           <p:cNvSpPr>
             <a:spLocks noGrp="1"/>
           </p:cNvSpPr>
@@ -5543,7 +5546,7 @@
       </p:sp>
       <p:sp>
         <p:nvSpPr>
-          <p:cNvPr id="4" name="Pladsholder til diasnummer 3"/>
+          <p:cNvPr id="5" name="Pladsholder til diasnummer 4"/>
           <p:cNvSpPr>
             <a:spLocks noGrp="1"/>
           </p:cNvSpPr>
@@ -5715,7 +5718,7 @@
       </p:sp>
       <p:sp>
         <p:nvSpPr>
-          <p:cNvPr id="4" name="Pladsholder til diasnummer 3"/>
+          <p:cNvPr id="5" name="Pladsholder til diasnummer 4"/>
           <p:cNvSpPr>
             <a:spLocks noGrp="1"/>
           </p:cNvSpPr>
@@ -5950,7 +5953,7 @@
       </p:pic>
       <p:sp>
         <p:nvSpPr>
-          <p:cNvPr id="4" name="Pladsholder til diasnummer 3"/>
+          <p:cNvPr id="5" name="Pladsholder til diasnummer 4"/>
           <p:cNvSpPr>
             <a:spLocks noGrp="1"/>
           </p:cNvSpPr>
@@ -6175,7 +6178,7 @@
       </p:pic>
       <p:sp>
         <p:nvSpPr>
-          <p:cNvPr id="4" name="Pladsholder til diasnummer 3"/>
+          <p:cNvPr id="5" name="Pladsholder til diasnummer 4"/>
           <p:cNvSpPr>
             <a:spLocks noGrp="1"/>
           </p:cNvSpPr>
@@ -6328,7 +6331,7 @@
       </p:sp>
       <p:sp>
         <p:nvSpPr>
-          <p:cNvPr id="4" name="Pladsholder til diasnummer 3"/>
+          <p:cNvPr id="5" name="Pladsholder til diasnummer 4"/>
           <p:cNvSpPr>
             <a:spLocks noGrp="1"/>
           </p:cNvSpPr>
@@ -6506,7 +6509,7 @@
       </p:sp>
       <p:sp>
         <p:nvSpPr>
-          <p:cNvPr id="4" name="Pladsholder til diasnummer 3"/>
+          <p:cNvPr id="5" name="Pladsholder til diasnummer 4"/>
           <p:cNvSpPr>
             <a:spLocks noGrp="1"/>
           </p:cNvSpPr>
@@ -6665,7 +6668,7 @@
       </p:sp>
       <p:sp>
         <p:nvSpPr>
-          <p:cNvPr id="4" name="Pladsholder til diasnummer 3"/>
+          <p:cNvPr id="5" name="Pladsholder til diasnummer 4"/>
           <p:cNvSpPr>
             <a:spLocks noGrp="1"/>
           </p:cNvSpPr>
@@ -6836,7 +6839,7 @@
       </p:sp>
       <p:sp>
         <p:nvSpPr>
-          <p:cNvPr id="4" name="Pladsholder til diasnummer 3"/>
+          <p:cNvPr id="5" name="Pladsholder til diasnummer 4"/>
           <p:cNvSpPr>
             <a:spLocks noGrp="1"/>
           </p:cNvSpPr>
